--- a/Planning/presentation/NeedATicket_semester.pptx
+++ b/Planning/presentation/NeedATicket_semester.pptx
@@ -5,10 +5,10 @@
     <p:sldMasterId id="2147483648" r:id="rId1"/>
   </p:sldMasterIdLst>
   <p:notesMasterIdLst>
-    <p:notesMasterId r:id="rId17"/>
+    <p:notesMasterId r:id="rId20"/>
   </p:notesMasterIdLst>
   <p:handoutMasterIdLst>
-    <p:handoutMasterId r:id="rId18"/>
+    <p:handoutMasterId r:id="rId21"/>
   </p:handoutMasterIdLst>
   <p:sldIdLst>
     <p:sldId id="257" r:id="rId2"/>
@@ -19,13 +19,16 @@
     <p:sldId id="295" r:id="rId7"/>
     <p:sldId id="296" r:id="rId8"/>
     <p:sldId id="297" r:id="rId9"/>
-    <p:sldId id="298" r:id="rId10"/>
-    <p:sldId id="289" r:id="rId11"/>
-    <p:sldId id="278" r:id="rId12"/>
-    <p:sldId id="288" r:id="rId13"/>
-    <p:sldId id="299" r:id="rId14"/>
-    <p:sldId id="300" r:id="rId15"/>
-    <p:sldId id="273" r:id="rId16"/>
+    <p:sldId id="302" r:id="rId10"/>
+    <p:sldId id="303" r:id="rId11"/>
+    <p:sldId id="301" r:id="rId12"/>
+    <p:sldId id="298" r:id="rId13"/>
+    <p:sldId id="289" r:id="rId14"/>
+    <p:sldId id="278" r:id="rId15"/>
+    <p:sldId id="288" r:id="rId16"/>
+    <p:sldId id="299" r:id="rId17"/>
+    <p:sldId id="300" r:id="rId18"/>
+    <p:sldId id="273" r:id="rId19"/>
   </p:sldIdLst>
   <p:sldSz cx="12192000" cy="6858000"/>
   <p:notesSz cx="6858000" cy="9144000"/>
@@ -225,7 +228,7 @@
           <a:p>
             <a:fld id="{D63D5444-F62C-42C3-A75A-D9DBA807730F}" type="datetimeFigureOut">
               <a:rPr lang="en-US" smtClean="0"/>
-              <a:t>1/21/2019</a:t>
+              <a:t>1/23/2019</a:t>
             </a:fld>
             <a:endParaRPr lang="en-US"/>
           </a:p>
@@ -390,7 +393,7 @@
           <a:p>
             <a:fld id="{12CAA1FA-7B6A-47D2-8D61-F225D71B51FF}" type="datetimeFigureOut">
               <a:rPr lang="en-US" smtClean="0"/>
-              <a:t>1/21/2019</a:t>
+              <a:t>1/23/2019</a:t>
             </a:fld>
             <a:endParaRPr lang="en-US"/>
           </a:p>
@@ -824,7 +827,7 @@
           <a:p>
             <a:fld id="{1B9A179D-2D27-49E2-B022-8EDDA2EFE682}" type="slidenum">
               <a:rPr lang="en-US" smtClean="0"/>
-              <a:t>15</a:t>
+              <a:t>18</a:t>
             </a:fld>
             <a:endParaRPr lang="en-US"/>
           </a:p>
@@ -1436,7 +1439,7 @@
           <a:p>
             <a:fld id="{A79A3335-6331-4872-A8B7-ECD55539F4D0}" type="datetimeFigureOut">
               <a:rPr lang="en-US" smtClean="0"/>
-              <a:t>1/21/2019</a:t>
+              <a:t>1/23/2019</a:t>
             </a:fld>
             <a:endParaRPr lang="en-US"/>
           </a:p>
@@ -2149,7 +2152,7 @@
           <a:p>
             <a:fld id="{A79A3335-6331-4872-A8B7-ECD55539F4D0}" type="datetimeFigureOut">
               <a:rPr lang="en-US" smtClean="0"/>
-              <a:t>1/21/2019</a:t>
+              <a:t>1/23/2019</a:t>
             </a:fld>
             <a:endParaRPr lang="en-US"/>
           </a:p>
@@ -2438,7 +2441,7 @@
           <a:p>
             <a:fld id="{A79A3335-6331-4872-A8B7-ECD55539F4D0}" type="datetimeFigureOut">
               <a:rPr lang="en-US" smtClean="0"/>
-              <a:t>1/21/2019</a:t>
+              <a:t>1/23/2019</a:t>
             </a:fld>
             <a:endParaRPr lang="en-US"/>
           </a:p>
@@ -2878,7 +2881,7 @@
           <a:p>
             <a:fld id="{A79A3335-6331-4872-A8B7-ECD55539F4D0}" type="datetimeFigureOut">
               <a:rPr lang="en-US" smtClean="0"/>
-              <a:t>1/21/2019</a:t>
+              <a:t>1/23/2019</a:t>
             </a:fld>
             <a:endParaRPr lang="en-US"/>
           </a:p>
@@ -3166,7 +3169,7 @@
           <a:p>
             <a:fld id="{A79A3335-6331-4872-A8B7-ECD55539F4D0}" type="datetimeFigureOut">
               <a:rPr lang="en-US" smtClean="0"/>
-              <a:t>1/21/2019</a:t>
+              <a:t>1/23/2019</a:t>
             </a:fld>
             <a:endParaRPr lang="en-US" dirty="0"/>
           </a:p>
@@ -4539,7 +4542,7 @@
           <a:p>
             <a:fld id="{A79A3335-6331-4872-A8B7-ECD55539F4D0}" type="datetimeFigureOut">
               <a:rPr lang="en-US" smtClean="0"/>
-              <a:t>1/21/2019</a:t>
+              <a:t>1/23/2019</a:t>
             </a:fld>
             <a:endParaRPr lang="en-US"/>
           </a:p>
@@ -5029,7 +5032,7 @@
           <a:p>
             <a:fld id="{A79A3335-6331-4872-A8B7-ECD55539F4D0}" type="datetimeFigureOut">
               <a:rPr lang="en-US" smtClean="0"/>
-              <a:t>1/21/2019</a:t>
+              <a:t>1/23/2019</a:t>
             </a:fld>
             <a:endParaRPr lang="en-US"/>
           </a:p>
@@ -5267,7 +5270,7 @@
           <a:p>
             <a:fld id="{A79A3335-6331-4872-A8B7-ECD55539F4D0}" type="datetimeFigureOut">
               <a:rPr lang="en-US" smtClean="0"/>
-              <a:t>1/21/2019</a:t>
+              <a:t>1/23/2019</a:t>
             </a:fld>
             <a:endParaRPr lang="en-US"/>
           </a:p>
@@ -5483,7 +5486,7 @@
           <a:p>
             <a:fld id="{A79A3335-6331-4872-A8B7-ECD55539F4D0}" type="datetimeFigureOut">
               <a:rPr lang="en-US" smtClean="0"/>
-              <a:t>1/21/2019</a:t>
+              <a:t>1/23/2019</a:t>
             </a:fld>
             <a:endParaRPr lang="en-US"/>
           </a:p>
@@ -5856,7 +5859,7 @@
           <a:p>
             <a:fld id="{A79A3335-6331-4872-A8B7-ECD55539F4D0}" type="datetimeFigureOut">
               <a:rPr lang="en-US" smtClean="0"/>
-              <a:t>1/21/2019</a:t>
+              <a:t>1/23/2019</a:t>
             </a:fld>
             <a:endParaRPr lang="en-US"/>
           </a:p>
@@ -6345,7 +6348,7 @@
             <a:fld id="{A79A3335-6331-4872-A8B7-ECD55539F4D0}" type="datetimeFigureOut">
               <a:rPr lang="en-US" smtClean="0"/>
               <a:pPr/>
-              <a:t>1/21/2019</a:t>
+              <a:t>1/23/2019</a:t>
             </a:fld>
             <a:endParaRPr lang="en-US"/>
           </a:p>
@@ -6880,7 +6883,7 @@
           <p:cNvPr id="2" name="Title 1">
             <a:extLst>
               <a:ext uri="{FF2B5EF4-FFF2-40B4-BE49-F238E27FC236}">
-                <a16:creationId xmlns:a16="http://schemas.microsoft.com/office/drawing/2014/main" id="{06A56D74-F5EF-408D-9608-0C4ADE5CA6A0}"/>
+                <a16:creationId xmlns:a16="http://schemas.microsoft.com/office/drawing/2014/main" id="{49B3CB05-23F5-4CA9-B212-50D295248F89}"/>
               </a:ext>
             </a:extLst>
           </p:cNvPr>
@@ -6897,14 +6900,10 @@
           <a:lstStyle/>
           <a:p>
             <a:r>
-              <a:rPr lang="en-US" dirty="0">
-                <a:latin typeface="Genome Thin" panose="00000300000000000000" pitchFamily="50" charset="0"/>
-              </a:rPr>
+              <a:rPr lang="de-DE" dirty="0"/>
               <a:t>Android App</a:t>
             </a:r>
-            <a:endParaRPr lang="de-DE" dirty="0">
-              <a:latin typeface="Genome Thin" panose="00000300000000000000" pitchFamily="50" charset="0"/>
-            </a:endParaRPr>
+            <a:endParaRPr lang="en-DE" dirty="0"/>
           </a:p>
         </p:txBody>
       </p:sp>
@@ -6913,7 +6912,7 @@
           <p:cNvPr id="3" name="Content Placeholder 2">
             <a:extLst>
               <a:ext uri="{FF2B5EF4-FFF2-40B4-BE49-F238E27FC236}">
-                <a16:creationId xmlns:a16="http://schemas.microsoft.com/office/drawing/2014/main" id="{374BEA72-8F23-48E5-8FA4-5AF314979027}"/>
+                <a16:creationId xmlns:a16="http://schemas.microsoft.com/office/drawing/2014/main" id="{10E1DF5C-A8EB-4470-9BB9-3684530F0D7C}"/>
               </a:ext>
             </a:extLst>
           </p:cNvPr>
@@ -6926,13 +6925,13 @@
         </p:nvSpPr>
         <p:spPr>
           <a:xfrm>
-            <a:off x="1295400" y="2051050"/>
-            <a:ext cx="4754928" cy="4343400"/>
-          </a:xfrm>
-        </p:spPr>
-        <p:txBody>
-          <a:bodyPr vert="horz" lIns="91440" tIns="45720" rIns="91440" bIns="45720" rtlCol="0" anchor="t">
-            <a:normAutofit/>
+            <a:off x="5225117" y="1929468"/>
+            <a:ext cx="1741765" cy="402672"/>
+          </a:xfrm>
+        </p:spPr>
+        <p:txBody>
+          <a:bodyPr>
+            <a:normAutofit fontScale="92500"/>
           </a:bodyPr>
           <a:lstStyle/>
           <a:p>
@@ -6940,32 +6939,19 @@
               <a:buNone/>
             </a:pPr>
             <a:r>
-              <a:rPr lang="de-DE" dirty="0" err="1"/>
-              <a:t>Activity</a:t>
-            </a:r>
-            <a:r>
               <a:rPr lang="de-DE" dirty="0"/>
-              <a:t> </a:t>
-            </a:r>
-            <a:r>
-              <a:rPr lang="de-DE" dirty="0" err="1"/>
-              <a:t>Stacking</a:t>
-            </a:r>
-          </a:p>
-          <a:p>
-            <a:pPr marL="0" indent="0">
-              <a:buNone/>
-            </a:pPr>
-            <a:endParaRPr lang="de-DE" dirty="0"/>
+              <a:t>Clean Code</a:t>
+            </a:r>
+            <a:endParaRPr lang="en-DE" dirty="0"/>
           </a:p>
         </p:txBody>
       </p:sp>
       <p:pic>
         <p:nvPicPr>
-          <p:cNvPr id="6" name="Picture 6" descr="A screenshot of a cell phone&#10;&#10;Description generated with high confidence">
+          <p:cNvPr id="5" name="Picture 4">
             <a:extLst>
               <a:ext uri="{FF2B5EF4-FFF2-40B4-BE49-F238E27FC236}">
-                <a16:creationId xmlns:a16="http://schemas.microsoft.com/office/drawing/2014/main" id="{6327F6EC-DB00-4D46-BA26-1134E9730189}"/>
+                <a16:creationId xmlns:a16="http://schemas.microsoft.com/office/drawing/2014/main" id="{FD39BD71-6CCB-4074-B31D-A1B0F4E096D4}"/>
               </a:ext>
             </a:extLst>
           </p:cNvPr>
@@ -6982,8 +6968,38 @@
         </p:blipFill>
         <p:spPr>
           <a:xfrm>
-            <a:off x="1295400" y="3422490"/>
-            <a:ext cx="10109199" cy="1600520"/>
+            <a:off x="411060" y="3008260"/>
+            <a:ext cx="5604202" cy="2758865"/>
+          </a:xfrm>
+          <a:prstGeom prst="rect">
+            <a:avLst/>
+          </a:prstGeom>
+        </p:spPr>
+      </p:pic>
+      <p:pic>
+        <p:nvPicPr>
+          <p:cNvPr id="7" name="Picture 6">
+            <a:extLst>
+              <a:ext uri="{FF2B5EF4-FFF2-40B4-BE49-F238E27FC236}">
+                <a16:creationId xmlns:a16="http://schemas.microsoft.com/office/drawing/2014/main" id="{B66EC1DF-779D-46B7-A9A0-DAE804B840E6}"/>
+              </a:ext>
+            </a:extLst>
+          </p:cNvPr>
+          <p:cNvPicPr>
+            <a:picLocks noChangeAspect="1"/>
+          </p:cNvPicPr>
+          <p:nvPr/>
+        </p:nvPicPr>
+        <p:blipFill>
+          <a:blip r:embed="rId3"/>
+          <a:stretch>
+            <a:fillRect/>
+          </a:stretch>
+        </p:blipFill>
+        <p:spPr>
+          <a:xfrm>
+            <a:off x="6903939" y="3553271"/>
+            <a:ext cx="4877001" cy="1668841"/>
           </a:xfrm>
           <a:prstGeom prst="rect">
             <a:avLst/>
@@ -6993,7 +7009,7 @@
     </p:spTree>
     <p:extLst>
       <p:ext uri="{BB962C8B-B14F-4D97-AF65-F5344CB8AC3E}">
-        <p14:creationId xmlns:p14="http://schemas.microsoft.com/office/powerpoint/2010/main" val="3025794120"/>
+        <p14:creationId xmlns:p14="http://schemas.microsoft.com/office/powerpoint/2010/main" val="2623415320"/>
       </p:ext>
     </p:extLst>
   </p:cSld>
@@ -7037,7 +7053,7 @@
           <p:cNvPr id="2" name="Title 1">
             <a:extLst>
               <a:ext uri="{FF2B5EF4-FFF2-40B4-BE49-F238E27FC236}">
-                <a16:creationId xmlns:a16="http://schemas.microsoft.com/office/drawing/2014/main" id="{06A56D74-F5EF-408D-9608-0C4ADE5CA6A0}"/>
+                <a16:creationId xmlns:a16="http://schemas.microsoft.com/office/drawing/2014/main" id="{F1D7804D-26F3-47F5-B58F-B03707E357AE}"/>
               </a:ext>
             </a:extLst>
           </p:cNvPr>
@@ -7054,14 +7070,10 @@
           <a:lstStyle/>
           <a:p>
             <a:r>
-              <a:rPr lang="en-US" dirty="0">
-                <a:latin typeface="Genome Thin" panose="00000300000000000000" pitchFamily="50" charset="0"/>
-              </a:rPr>
+              <a:rPr lang="de-DE" dirty="0"/>
               <a:t>Android App</a:t>
             </a:r>
-            <a:endParaRPr lang="de-DE" dirty="0">
-              <a:latin typeface="Genome Thin" panose="00000300000000000000" pitchFamily="50" charset="0"/>
-            </a:endParaRPr>
+            <a:endParaRPr lang="en-DE" dirty="0"/>
           </a:p>
         </p:txBody>
       </p:sp>
@@ -7070,7 +7082,7 @@
           <p:cNvPr id="3" name="Content Placeholder 2">
             <a:extLst>
               <a:ext uri="{FF2B5EF4-FFF2-40B4-BE49-F238E27FC236}">
-                <a16:creationId xmlns:a16="http://schemas.microsoft.com/office/drawing/2014/main" id="{374BEA72-8F23-48E5-8FA4-5AF314979027}"/>
+                <a16:creationId xmlns:a16="http://schemas.microsoft.com/office/drawing/2014/main" id="{4E03B7BD-4D51-4BD1-A4B0-618236FE3BA2}"/>
               </a:ext>
             </a:extLst>
           </p:cNvPr>
@@ -7083,13 +7095,13 @@
         </p:nvSpPr>
         <p:spPr>
           <a:xfrm>
-            <a:off x="8404677" y="1681682"/>
-            <a:ext cx="4754928" cy="4343400"/>
-          </a:xfrm>
-        </p:spPr>
-        <p:txBody>
-          <a:bodyPr vert="horz" lIns="91440" tIns="45720" rIns="91440" bIns="45720" rtlCol="0" anchor="t">
-            <a:normAutofit/>
+            <a:off x="1295400" y="2785184"/>
+            <a:ext cx="2362200" cy="402672"/>
+          </a:xfrm>
+        </p:spPr>
+        <p:txBody>
+          <a:bodyPr>
+            <a:normAutofit lnSpcReduction="10000"/>
           </a:bodyPr>
           <a:lstStyle/>
           <a:p>
@@ -7098,23 +7110,352 @@
             </a:pPr>
             <a:r>
               <a:rPr lang="de-DE" dirty="0"/>
-              <a:t>Video Background</a:t>
-            </a:r>
-          </a:p>
+              <a:t>OWASP Top 10</a:t>
+            </a:r>
+            <a:endParaRPr lang="en-DE" dirty="0"/>
+          </a:p>
+        </p:txBody>
+      </p:sp>
+      <p:sp>
+        <p:nvSpPr>
+          <p:cNvPr id="4" name="Content Placeholder 2">
+            <a:extLst>
+              <a:ext uri="{FF2B5EF4-FFF2-40B4-BE49-F238E27FC236}">
+                <a16:creationId xmlns:a16="http://schemas.microsoft.com/office/drawing/2014/main" id="{0F628149-CE96-45CF-A12C-24B6B7338A00}"/>
+              </a:ext>
+            </a:extLst>
+          </p:cNvPr>
+          <p:cNvSpPr txBox="1">
+            <a:spLocks/>
+          </p:cNvSpPr>
+          <p:nvPr/>
+        </p:nvSpPr>
+        <p:spPr>
+          <a:xfrm>
+            <a:off x="8877651" y="2785184"/>
+            <a:ext cx="2018949" cy="402672"/>
+          </a:xfrm>
+          <a:prstGeom prst="rect">
+            <a:avLst/>
+          </a:prstGeom>
+        </p:spPr>
+        <p:txBody>
+          <a:bodyPr vert="horz" lIns="91440" tIns="45720" rIns="91440" bIns="45720" rtlCol="0">
+            <a:normAutofit lnSpcReduction="10000"/>
+          </a:bodyPr>
+          <a:lstStyle>
+            <a:lvl1pPr marL="274320" indent="-274320" algn="l" defTabSz="914400" rtl="0" eaLnBrk="1" latinLnBrk="0" hangingPunct="1">
+              <a:lnSpc>
+                <a:spcPct val="90000"/>
+              </a:lnSpc>
+              <a:spcBef>
+                <a:spcPts val="1800"/>
+              </a:spcBef>
+              <a:buFont typeface="Arial" panose="020B0604020202020204" pitchFamily="34" charset="0"/>
+              <a:buChar char="•"/>
+              <a:defRPr sz="2400" kern="1200">
+                <a:solidFill>
+                  <a:schemeClr val="tx1"/>
+                </a:solidFill>
+                <a:latin typeface="+mn-lt"/>
+                <a:ea typeface="+mn-ea"/>
+                <a:cs typeface="+mn-cs"/>
+              </a:defRPr>
+            </a:lvl1pPr>
+            <a:lvl2pPr marL="548640" indent="-228600" algn="l" defTabSz="914400" rtl="0" eaLnBrk="1" latinLnBrk="0" hangingPunct="1">
+              <a:lnSpc>
+                <a:spcPct val="90000"/>
+              </a:lnSpc>
+              <a:spcBef>
+                <a:spcPts val="1000"/>
+              </a:spcBef>
+              <a:buFont typeface="Arial" panose="020B0604020202020204" pitchFamily="34" charset="0"/>
+              <a:buChar char="•"/>
+              <a:defRPr sz="2000" kern="1200">
+                <a:solidFill>
+                  <a:schemeClr val="tx1"/>
+                </a:solidFill>
+                <a:latin typeface="+mn-lt"/>
+                <a:ea typeface="+mn-ea"/>
+                <a:cs typeface="+mn-cs"/>
+              </a:defRPr>
+            </a:lvl2pPr>
+            <a:lvl3pPr marL="822960" indent="-228600" algn="l" defTabSz="914400" rtl="0" eaLnBrk="1" latinLnBrk="0" hangingPunct="1">
+              <a:lnSpc>
+                <a:spcPct val="90000"/>
+              </a:lnSpc>
+              <a:spcBef>
+                <a:spcPts val="800"/>
+              </a:spcBef>
+              <a:buFont typeface="Arial" panose="020B0604020202020204" pitchFamily="34" charset="0"/>
+              <a:buChar char="•"/>
+              <a:defRPr sz="1800" kern="1200">
+                <a:solidFill>
+                  <a:schemeClr val="tx1"/>
+                </a:solidFill>
+                <a:latin typeface="+mn-lt"/>
+                <a:ea typeface="+mn-ea"/>
+                <a:cs typeface="+mn-cs"/>
+              </a:defRPr>
+            </a:lvl3pPr>
+            <a:lvl4pPr marL="1097280" indent="-228600" algn="l" defTabSz="914400" rtl="0" eaLnBrk="1" latinLnBrk="0" hangingPunct="1">
+              <a:lnSpc>
+                <a:spcPct val="90000"/>
+              </a:lnSpc>
+              <a:spcBef>
+                <a:spcPts val="800"/>
+              </a:spcBef>
+              <a:buFont typeface="Arial" panose="020B0604020202020204" pitchFamily="34" charset="0"/>
+              <a:buChar char="•"/>
+              <a:defRPr sz="1600" kern="1200">
+                <a:solidFill>
+                  <a:schemeClr val="tx1"/>
+                </a:solidFill>
+                <a:latin typeface="+mn-lt"/>
+                <a:ea typeface="+mn-ea"/>
+                <a:cs typeface="+mn-cs"/>
+              </a:defRPr>
+            </a:lvl4pPr>
+            <a:lvl5pPr marL="1325880" indent="-228600" algn="l" defTabSz="914400" rtl="0" eaLnBrk="1" latinLnBrk="0" hangingPunct="1">
+              <a:lnSpc>
+                <a:spcPct val="90000"/>
+              </a:lnSpc>
+              <a:spcBef>
+                <a:spcPts val="800"/>
+              </a:spcBef>
+              <a:buFont typeface="Arial" panose="020B0604020202020204" pitchFamily="34" charset="0"/>
+              <a:buChar char="•"/>
+              <a:defRPr sz="1600" kern="1200">
+                <a:solidFill>
+                  <a:schemeClr val="tx1"/>
+                </a:solidFill>
+                <a:latin typeface="+mn-lt"/>
+                <a:ea typeface="+mn-ea"/>
+                <a:cs typeface="+mn-cs"/>
+              </a:defRPr>
+            </a:lvl5pPr>
+            <a:lvl6pPr marL="1554480" indent="-228600" algn="l" defTabSz="914400" rtl="0" eaLnBrk="1" latinLnBrk="0" hangingPunct="1">
+              <a:lnSpc>
+                <a:spcPct val="90000"/>
+              </a:lnSpc>
+              <a:spcBef>
+                <a:spcPts val="800"/>
+              </a:spcBef>
+              <a:buFont typeface="Arial" panose="020B0604020202020204" pitchFamily="34" charset="0"/>
+              <a:buChar char="•"/>
+              <a:defRPr sz="1600" kern="1200">
+                <a:solidFill>
+                  <a:schemeClr val="tx1"/>
+                </a:solidFill>
+                <a:latin typeface="+mn-lt"/>
+                <a:ea typeface="+mn-ea"/>
+                <a:cs typeface="+mn-cs"/>
+              </a:defRPr>
+            </a:lvl6pPr>
+            <a:lvl7pPr marL="1783080" indent="-228600" algn="l" defTabSz="914400" rtl="0" eaLnBrk="1" latinLnBrk="0" hangingPunct="1">
+              <a:lnSpc>
+                <a:spcPct val="90000"/>
+              </a:lnSpc>
+              <a:spcBef>
+                <a:spcPts val="800"/>
+              </a:spcBef>
+              <a:buFont typeface="Arial" panose="020B0604020202020204" pitchFamily="34" charset="0"/>
+              <a:buChar char="•"/>
+              <a:defRPr sz="1600" kern="1200">
+                <a:solidFill>
+                  <a:schemeClr val="tx1"/>
+                </a:solidFill>
+                <a:latin typeface="+mn-lt"/>
+                <a:ea typeface="+mn-ea"/>
+                <a:cs typeface="+mn-cs"/>
+              </a:defRPr>
+            </a:lvl7pPr>
+            <a:lvl8pPr marL="2011680" indent="-228600" algn="l" defTabSz="914400" rtl="0" eaLnBrk="1" latinLnBrk="0" hangingPunct="1">
+              <a:lnSpc>
+                <a:spcPct val="90000"/>
+              </a:lnSpc>
+              <a:spcBef>
+                <a:spcPts val="800"/>
+              </a:spcBef>
+              <a:buFont typeface="Arial" panose="020B0604020202020204" pitchFamily="34" charset="0"/>
+              <a:buChar char="•"/>
+              <a:defRPr sz="1600" kern="1200">
+                <a:solidFill>
+                  <a:schemeClr val="tx1"/>
+                </a:solidFill>
+                <a:latin typeface="+mn-lt"/>
+                <a:ea typeface="+mn-ea"/>
+                <a:cs typeface="+mn-cs"/>
+              </a:defRPr>
+            </a:lvl8pPr>
+            <a:lvl9pPr marL="2240280" indent="-228600" algn="l" defTabSz="914400" rtl="0" eaLnBrk="1" latinLnBrk="0" hangingPunct="1">
+              <a:lnSpc>
+                <a:spcPct val="90000"/>
+              </a:lnSpc>
+              <a:spcBef>
+                <a:spcPts val="800"/>
+              </a:spcBef>
+              <a:buFont typeface="Arial" panose="020B0604020202020204" pitchFamily="34" charset="0"/>
+              <a:buChar char="•"/>
+              <a:defRPr sz="1600" kern="1200">
+                <a:solidFill>
+                  <a:schemeClr val="tx1"/>
+                </a:solidFill>
+                <a:latin typeface="+mn-lt"/>
+                <a:ea typeface="+mn-ea"/>
+                <a:cs typeface="+mn-cs"/>
+              </a:defRPr>
+            </a:lvl9pPr>
+          </a:lstStyle>
           <a:p>
             <a:pPr marL="0" indent="0">
+              <a:buFont typeface="Arial" panose="020B0604020202020204" pitchFamily="34" charset="0"/>
               <a:buNone/>
             </a:pPr>
-            <a:endParaRPr lang="de-DE" dirty="0"/>
-          </a:p>
-        </p:txBody>
-      </p:sp>
+            <a:r>
+              <a:rPr lang="de-DE" dirty="0"/>
+              <a:t>SANS Top 25</a:t>
+            </a:r>
+            <a:endParaRPr lang="en-DE" dirty="0"/>
+          </a:p>
+        </p:txBody>
+      </p:sp>
+      <p:sp>
+        <p:nvSpPr>
+          <p:cNvPr id="5" name="TextBox 4">
+            <a:extLst>
+              <a:ext uri="{FF2B5EF4-FFF2-40B4-BE49-F238E27FC236}">
+                <a16:creationId xmlns:a16="http://schemas.microsoft.com/office/drawing/2014/main" id="{5CB91AF9-EDBE-4DFE-8C9E-049A7292DD7B}"/>
+              </a:ext>
+            </a:extLst>
+          </p:cNvPr>
+          <p:cNvSpPr txBox="1"/>
+          <p:nvPr/>
+        </p:nvSpPr>
+        <p:spPr>
+          <a:xfrm>
+            <a:off x="3751277" y="1820539"/>
+            <a:ext cx="4689446" cy="369332"/>
+          </a:xfrm>
+          <a:prstGeom prst="rect">
+            <a:avLst/>
+          </a:prstGeom>
+          <a:noFill/>
+        </p:spPr>
+        <p:txBody>
+          <a:bodyPr wrap="square" rtlCol="0">
+            <a:spAutoFit/>
+          </a:bodyPr>
+          <a:lstStyle/>
+          <a:p>
+            <a:r>
+              <a:rPr lang="de-DE" dirty="0"/>
+              <a:t>CWE (Common </a:t>
+            </a:r>
+            <a:r>
+              <a:rPr lang="de-DE" dirty="0" err="1"/>
+              <a:t>Weakness</a:t>
+            </a:r>
+            <a:r>
+              <a:rPr lang="de-DE" dirty="0"/>
+              <a:t> Enumeration)</a:t>
+            </a:r>
+            <a:endParaRPr lang="en-DE" dirty="0"/>
+          </a:p>
+        </p:txBody>
+      </p:sp>
+      <p:cxnSp>
+        <p:nvCxnSpPr>
+          <p:cNvPr id="7" name="Straight Arrow Connector 6">
+            <a:extLst>
+              <a:ext uri="{FF2B5EF4-FFF2-40B4-BE49-F238E27FC236}">
+                <a16:creationId xmlns:a16="http://schemas.microsoft.com/office/drawing/2014/main" id="{468DC095-0001-4774-90DC-49E50045339C}"/>
+              </a:ext>
+            </a:extLst>
+          </p:cNvPr>
+          <p:cNvCxnSpPr>
+            <a:cxnSpLocks/>
+            <a:stCxn id="5" idx="2"/>
+            <a:endCxn id="3" idx="0"/>
+          </p:cNvCxnSpPr>
+          <p:nvPr/>
+        </p:nvCxnSpPr>
+        <p:spPr>
+          <a:xfrm flipH="1">
+            <a:off x="2476500" y="2189871"/>
+            <a:ext cx="3619500" cy="595313"/>
+          </a:xfrm>
+          <a:prstGeom prst="straightConnector1">
+            <a:avLst/>
+          </a:prstGeom>
+          <a:ln>
+            <a:tailEnd type="triangle"/>
+          </a:ln>
+        </p:spPr>
+        <p:style>
+          <a:lnRef idx="1">
+            <a:schemeClr val="accent1"/>
+          </a:lnRef>
+          <a:fillRef idx="0">
+            <a:schemeClr val="accent1"/>
+          </a:fillRef>
+          <a:effectRef idx="0">
+            <a:schemeClr val="accent1"/>
+          </a:effectRef>
+          <a:fontRef idx="minor">
+            <a:schemeClr val="tx1"/>
+          </a:fontRef>
+        </p:style>
+      </p:cxnSp>
+      <p:cxnSp>
+        <p:nvCxnSpPr>
+          <p:cNvPr id="9" name="Straight Arrow Connector 8">
+            <a:extLst>
+              <a:ext uri="{FF2B5EF4-FFF2-40B4-BE49-F238E27FC236}">
+                <a16:creationId xmlns:a16="http://schemas.microsoft.com/office/drawing/2014/main" id="{F70E765D-84A3-43DD-8C2C-280AD9F163A6}"/>
+              </a:ext>
+            </a:extLst>
+          </p:cNvPr>
+          <p:cNvCxnSpPr>
+            <a:cxnSpLocks/>
+            <a:stCxn id="5" idx="2"/>
+            <a:endCxn id="4" idx="0"/>
+          </p:cNvCxnSpPr>
+          <p:nvPr/>
+        </p:nvCxnSpPr>
+        <p:spPr>
+          <a:xfrm>
+            <a:off x="6096000" y="2189871"/>
+            <a:ext cx="3791126" cy="595313"/>
+          </a:xfrm>
+          <a:prstGeom prst="straightConnector1">
+            <a:avLst/>
+          </a:prstGeom>
+          <a:ln>
+            <a:tailEnd type="triangle"/>
+          </a:ln>
+        </p:spPr>
+        <p:style>
+          <a:lnRef idx="1">
+            <a:schemeClr val="accent1"/>
+          </a:lnRef>
+          <a:fillRef idx="0">
+            <a:schemeClr val="accent1"/>
+          </a:fillRef>
+          <a:effectRef idx="0">
+            <a:schemeClr val="accent1"/>
+          </a:effectRef>
+          <a:fontRef idx="minor">
+            <a:schemeClr val="tx1"/>
+          </a:fontRef>
+        </p:style>
+      </p:cxnSp>
       <p:pic>
         <p:nvPicPr>
-          <p:cNvPr id="5" name="Picture 5" descr="A screenshot of a cell phone&#10;&#10;Description generated with very high confidence">
+          <p:cNvPr id="17" name="Picture 16">
             <a:extLst>
               <a:ext uri="{FF2B5EF4-FFF2-40B4-BE49-F238E27FC236}">
-                <a16:creationId xmlns:a16="http://schemas.microsoft.com/office/drawing/2014/main" id="{4E292029-56A7-42A9-90AA-442B5659E699}"/>
+                <a16:creationId xmlns:a16="http://schemas.microsoft.com/office/drawing/2014/main" id="{C80DAA9E-D722-409D-BB7A-AA30692B2A93}"/>
               </a:ext>
             </a:extLst>
           </p:cNvPr>
@@ -7131,8 +7472,8 @@
         </p:blipFill>
         <p:spPr>
           <a:xfrm>
-            <a:off x="615043" y="1617341"/>
-            <a:ext cx="4376057" cy="4802605"/>
+            <a:off x="828243" y="3380496"/>
+            <a:ext cx="3296514" cy="3074831"/>
           </a:xfrm>
           <a:prstGeom prst="rect">
             <a:avLst/>
@@ -7141,10 +7482,10 @@
       </p:pic>
       <p:pic>
         <p:nvPicPr>
-          <p:cNvPr id="7" name="Picture 7" descr="A picture containing clock, object&#10;&#10;Description generated with very high confidence">
+          <p:cNvPr id="19" name="Picture 18">
             <a:extLst>
               <a:ext uri="{FF2B5EF4-FFF2-40B4-BE49-F238E27FC236}">
-                <a16:creationId xmlns:a16="http://schemas.microsoft.com/office/drawing/2014/main" id="{E5219E48-BF8A-4CCA-9F33-6785DB2B3E5D}"/>
+                <a16:creationId xmlns:a16="http://schemas.microsoft.com/office/drawing/2014/main" id="{44D8ADAE-7C9C-4436-9045-5F2667FAB156}"/>
               </a:ext>
             </a:extLst>
           </p:cNvPr>
@@ -7161,48 +7502,84 @@
         </p:blipFill>
         <p:spPr>
           <a:xfrm>
-            <a:off x="5776684" y="2943093"/>
-            <a:ext cx="5255986" cy="485907"/>
+            <a:off x="6390134" y="3428999"/>
+            <a:ext cx="5145248" cy="1364805"/>
           </a:xfrm>
           <a:prstGeom prst="rect">
             <a:avLst/>
           </a:prstGeom>
         </p:spPr>
       </p:pic>
-      <p:pic>
-        <p:nvPicPr>
-          <p:cNvPr id="9" name="Picture 9" descr="A close up of a sign&#10;&#10;Description generated with high confidence">
+      <p:sp>
+        <p:nvSpPr>
+          <p:cNvPr id="20" name="TextBox 19">
             <a:extLst>
               <a:ext uri="{FF2B5EF4-FFF2-40B4-BE49-F238E27FC236}">
-                <a16:creationId xmlns:a16="http://schemas.microsoft.com/office/drawing/2014/main" id="{C644E1F0-F534-4598-9A00-12BF1518791D}"/>
+                <a16:creationId xmlns:a16="http://schemas.microsoft.com/office/drawing/2014/main" id="{1D744B12-EEFF-4E28-B8A5-96B7AB19E800}"/>
               </a:ext>
             </a:extLst>
           </p:cNvPr>
-          <p:cNvPicPr>
-            <a:picLocks noChangeAspect="1"/>
-          </p:cNvPicPr>
+          <p:cNvSpPr txBox="1"/>
           <p:nvPr/>
-        </p:nvPicPr>
-        <p:blipFill>
-          <a:blip r:embed="rId4"/>
-          <a:stretch>
-            <a:fillRect/>
-          </a:stretch>
-        </p:blipFill>
-        <p:spPr>
-          <a:xfrm>
-            <a:off x="5776686" y="4263292"/>
-            <a:ext cx="5255985" cy="2159557"/>
+        </p:nvSpPr>
+        <p:spPr>
+          <a:xfrm>
+            <a:off x="6390134" y="5324872"/>
+            <a:ext cx="5145248" cy="1200329"/>
           </a:xfrm>
           <a:prstGeom prst="rect">
             <a:avLst/>
           </a:prstGeom>
-        </p:spPr>
-      </p:pic>
+          <a:noFill/>
+        </p:spPr>
+        <p:txBody>
+          <a:bodyPr wrap="square" rtlCol="0">
+            <a:spAutoFit/>
+          </a:bodyPr>
+          <a:lstStyle/>
+          <a:p>
+            <a:r>
+              <a:rPr lang="de-DE" dirty="0"/>
+              <a:t>OWASP: Most Critical Web </a:t>
+            </a:r>
+            <a:r>
+              <a:rPr lang="de-DE" dirty="0" err="1"/>
+              <a:t>Application</a:t>
+            </a:r>
+            <a:r>
+              <a:rPr lang="de-DE" dirty="0"/>
+              <a:t> Security </a:t>
+            </a:r>
+            <a:r>
+              <a:rPr lang="de-DE" dirty="0" err="1"/>
+              <a:t>Risks</a:t>
+            </a:r>
+            <a:endParaRPr lang="de-DE" dirty="0"/>
+          </a:p>
+          <a:p>
+            <a:endParaRPr lang="de-DE" dirty="0"/>
+          </a:p>
+          <a:p>
+            <a:r>
+              <a:rPr lang="de-DE" dirty="0"/>
+              <a:t>SANS: Most </a:t>
+            </a:r>
+            <a:r>
+              <a:rPr lang="de-DE" dirty="0" err="1"/>
+              <a:t>Dangerous</a:t>
+            </a:r>
+            <a:r>
+              <a:rPr lang="de-DE" dirty="0"/>
+              <a:t> Software Errors</a:t>
+            </a:r>
+            <a:endParaRPr lang="en-DE" dirty="0"/>
+          </a:p>
+        </p:txBody>
+      </p:sp>
     </p:spTree>
     <p:extLst>
       <p:ext uri="{BB962C8B-B14F-4D97-AF65-F5344CB8AC3E}">
-        <p14:creationId xmlns:p14="http://schemas.microsoft.com/office/powerpoint/2010/main" val="4175124976"/>
+        <p14:creationId xmlns:p14="http://schemas.microsoft.com/office/powerpoint/2010/main" val="693223557"/>
       </p:ext>
     </p:extLst>
   </p:cSld>
@@ -7292,7 +7669,7 @@
         </p:nvSpPr>
         <p:spPr>
           <a:xfrm>
-            <a:off x="8174625" y="1983872"/>
+            <a:off x="9747051" y="1983873"/>
             <a:ext cx="4754928" cy="4343400"/>
           </a:xfrm>
         </p:spPr>
@@ -7306,9 +7683,10 @@
               <a:buNone/>
             </a:pPr>
             <a:r>
-              <a:rPr lang="de-DE" dirty="0"/>
-              <a:t>Webservice Calls</a:t>
-            </a:r>
+              <a:rPr lang="de-DE" dirty="0" err="1"/>
+              <a:t>Structure</a:t>
+            </a:r>
+            <a:endParaRPr lang="de-DE" dirty="0"/>
           </a:p>
           <a:p>
             <a:pPr marL="0" indent="0">
@@ -7320,10 +7698,10 @@
       </p:sp>
       <p:pic>
         <p:nvPicPr>
-          <p:cNvPr id="11" name="Picture 11">
+          <p:cNvPr id="16" name="Picture 15">
             <a:extLst>
               <a:ext uri="{FF2B5EF4-FFF2-40B4-BE49-F238E27FC236}">
-                <a16:creationId xmlns:a16="http://schemas.microsoft.com/office/drawing/2014/main" id="{B8B68D18-DBB9-4CB9-84E4-C29114A7F981}"/>
+                <a16:creationId xmlns:a16="http://schemas.microsoft.com/office/drawing/2014/main" id="{FA99A455-D701-4802-9995-B372DE284022}"/>
               </a:ext>
             </a:extLst>
           </p:cNvPr>
@@ -7340,8 +7718,8 @@
         </p:blipFill>
         <p:spPr>
           <a:xfrm>
-            <a:off x="7262015" y="2680891"/>
-            <a:ext cx="3290074" cy="126579"/>
+            <a:off x="6278312" y="2060617"/>
+            <a:ext cx="1219200" cy="1733550"/>
           </a:xfrm>
           <a:prstGeom prst="rect">
             <a:avLst/>
@@ -7350,10 +7728,10 @@
       </p:pic>
       <p:pic>
         <p:nvPicPr>
-          <p:cNvPr id="7" name="Picture 6">
+          <p:cNvPr id="5" name="Picture 4">
             <a:extLst>
               <a:ext uri="{FF2B5EF4-FFF2-40B4-BE49-F238E27FC236}">
-                <a16:creationId xmlns:a16="http://schemas.microsoft.com/office/drawing/2014/main" id="{96848DE0-1B81-43E4-8076-CD3D3A6C4BDB}"/>
+                <a16:creationId xmlns:a16="http://schemas.microsoft.com/office/drawing/2014/main" id="{84853035-8C5A-4E5E-9B7E-0E8714A37FDC}"/>
               </a:ext>
             </a:extLst>
           </p:cNvPr>
@@ -7370,8 +7748,8 @@
         </p:blipFill>
         <p:spPr>
           <a:xfrm>
-            <a:off x="1036664" y="1983872"/>
-            <a:ext cx="4841713" cy="4155872"/>
+            <a:off x="1036664" y="1920841"/>
+            <a:ext cx="4877026" cy="4280368"/>
           </a:xfrm>
           <a:prstGeom prst="rect">
             <a:avLst/>
@@ -7380,10 +7758,10 @@
       </p:pic>
       <p:pic>
         <p:nvPicPr>
-          <p:cNvPr id="9" name="Picture 8">
+          <p:cNvPr id="7" name="Picture 6">
             <a:extLst>
               <a:ext uri="{FF2B5EF4-FFF2-40B4-BE49-F238E27FC236}">
-                <a16:creationId xmlns:a16="http://schemas.microsoft.com/office/drawing/2014/main" id="{803BDED9-AE84-4081-AA29-AAB6E4BA96A2}"/>
+                <a16:creationId xmlns:a16="http://schemas.microsoft.com/office/drawing/2014/main" id="{BCD5034D-41E2-4977-8E6B-277D9F0567C3}"/>
               </a:ext>
             </a:extLst>
           </p:cNvPr>
@@ -7400,8 +7778,38 @@
         </p:blipFill>
         <p:spPr>
           <a:xfrm>
-            <a:off x="7262015" y="2978203"/>
-            <a:ext cx="3290074" cy="3178336"/>
+            <a:off x="8014417" y="2422376"/>
+            <a:ext cx="3362794" cy="1371791"/>
+          </a:xfrm>
+          <a:prstGeom prst="rect">
+            <a:avLst/>
+          </a:prstGeom>
+        </p:spPr>
+      </p:pic>
+      <p:pic>
+        <p:nvPicPr>
+          <p:cNvPr id="9" name="Picture 8">
+            <a:extLst>
+              <a:ext uri="{FF2B5EF4-FFF2-40B4-BE49-F238E27FC236}">
+                <a16:creationId xmlns:a16="http://schemas.microsoft.com/office/drawing/2014/main" id="{C95869C3-2EA5-430E-A662-8708DB0C5C2A}"/>
+              </a:ext>
+            </a:extLst>
+          </p:cNvPr>
+          <p:cNvPicPr>
+            <a:picLocks noChangeAspect="1"/>
+          </p:cNvPicPr>
+          <p:nvPr/>
+        </p:nvPicPr>
+        <p:blipFill>
+          <a:blip r:embed="rId5"/>
+          <a:stretch>
+            <a:fillRect/>
+          </a:stretch>
+        </p:blipFill>
+        <p:spPr>
+          <a:xfrm>
+            <a:off x="6223467" y="3927087"/>
+            <a:ext cx="5153744" cy="2267266"/>
           </a:xfrm>
           <a:prstGeom prst="rect">
             <a:avLst/>
@@ -7411,7 +7819,7 @@
     </p:spTree>
     <p:extLst>
       <p:ext uri="{BB962C8B-B14F-4D97-AF65-F5344CB8AC3E}">
-        <p14:creationId xmlns:p14="http://schemas.microsoft.com/office/powerpoint/2010/main" val="3523703116"/>
+        <p14:creationId xmlns:p14="http://schemas.microsoft.com/office/powerpoint/2010/main" val="3715253601"/>
       </p:ext>
     </p:extLst>
   </p:cSld>
@@ -7501,7 +7909,7 @@
         </p:nvSpPr>
         <p:spPr>
           <a:xfrm>
-            <a:off x="9550498" y="1985122"/>
+            <a:off x="1295400" y="2051050"/>
             <a:ext cx="4754928" cy="4343400"/>
           </a:xfrm>
         </p:spPr>
@@ -7516,9 +7924,16 @@
             </a:pPr>
             <a:r>
               <a:rPr lang="de-DE" dirty="0" err="1"/>
-              <a:t>Drawables</a:t>
-            </a:r>
-            <a:endParaRPr lang="de-DE" dirty="0"/>
+              <a:t>Activity</a:t>
+            </a:r>
+            <a:r>
+              <a:rPr lang="de-DE" dirty="0"/>
+              <a:t> </a:t>
+            </a:r>
+            <a:r>
+              <a:rPr lang="de-DE" dirty="0" err="1"/>
+              <a:t>Stacking</a:t>
+            </a:r>
           </a:p>
           <a:p>
             <a:pPr marL="0" indent="0">
@@ -7533,7 +7948,7 @@
           <p:cNvPr id="5" name="Picture 4">
             <a:extLst>
               <a:ext uri="{FF2B5EF4-FFF2-40B4-BE49-F238E27FC236}">
-                <a16:creationId xmlns:a16="http://schemas.microsoft.com/office/drawing/2014/main" id="{24144B12-DB8A-4FC0-8F54-603EAD562503}"/>
+                <a16:creationId xmlns:a16="http://schemas.microsoft.com/office/drawing/2014/main" id="{A01B780E-1D35-4BA3-A62A-939A2483C4AE}"/>
               </a:ext>
             </a:extLst>
           </p:cNvPr>
@@ -7550,68 +7965,8 @@
         </p:blipFill>
         <p:spPr>
           <a:xfrm>
-            <a:off x="1036664" y="1983873"/>
-            <a:ext cx="6305550" cy="885825"/>
-          </a:xfrm>
-          <a:prstGeom prst="rect">
-            <a:avLst/>
-          </a:prstGeom>
-        </p:spPr>
-      </p:pic>
-      <p:pic>
-        <p:nvPicPr>
-          <p:cNvPr id="7" name="Picture 6">
-            <a:extLst>
-              <a:ext uri="{FF2B5EF4-FFF2-40B4-BE49-F238E27FC236}">
-                <a16:creationId xmlns:a16="http://schemas.microsoft.com/office/drawing/2014/main" id="{0E501A1E-83CB-49CD-9638-7ED787052466}"/>
-              </a:ext>
-            </a:extLst>
-          </p:cNvPr>
-          <p:cNvPicPr>
-            <a:picLocks noChangeAspect="1"/>
-          </p:cNvPicPr>
-          <p:nvPr/>
-        </p:nvPicPr>
-        <p:blipFill>
-          <a:blip r:embed="rId3"/>
-          <a:stretch>
-            <a:fillRect/>
-          </a:stretch>
-        </p:blipFill>
-        <p:spPr>
-          <a:xfrm>
-            <a:off x="1036664" y="3114007"/>
-            <a:ext cx="4829175" cy="2886075"/>
-          </a:xfrm>
-          <a:prstGeom prst="rect">
-            <a:avLst/>
-          </a:prstGeom>
-        </p:spPr>
-      </p:pic>
-      <p:pic>
-        <p:nvPicPr>
-          <p:cNvPr id="9" name="Picture 8">
-            <a:extLst>
-              <a:ext uri="{FF2B5EF4-FFF2-40B4-BE49-F238E27FC236}">
-                <a16:creationId xmlns:a16="http://schemas.microsoft.com/office/drawing/2014/main" id="{6E2F8F66-0271-4D76-8AF4-3AC2AED81F55}"/>
-              </a:ext>
-            </a:extLst>
-          </p:cNvPr>
-          <p:cNvPicPr>
-            <a:picLocks noChangeAspect="1"/>
-          </p:cNvPicPr>
-          <p:nvPr/>
-        </p:nvPicPr>
-        <p:blipFill>
-          <a:blip r:embed="rId4"/>
-          <a:stretch>
-            <a:fillRect/>
-          </a:stretch>
-        </p:blipFill>
-        <p:spPr>
-          <a:xfrm>
-            <a:off x="6705519" y="4847557"/>
-            <a:ext cx="4486275" cy="1152525"/>
+            <a:off x="1679006" y="3078542"/>
+            <a:ext cx="8925336" cy="2557656"/>
           </a:xfrm>
           <a:prstGeom prst="rect">
             <a:avLst/>
@@ -7621,7 +7976,7 @@
     </p:spTree>
     <p:extLst>
       <p:ext uri="{BB962C8B-B14F-4D97-AF65-F5344CB8AC3E}">
-        <p14:creationId xmlns:p14="http://schemas.microsoft.com/office/powerpoint/2010/main" val="840841185"/>
+        <p14:creationId xmlns:p14="http://schemas.microsoft.com/office/powerpoint/2010/main" val="3025794120"/>
       </p:ext>
     </p:extLst>
   </p:cSld>
@@ -7660,12 +8015,89 @@
           <a:chExt cx="0" cy="0"/>
         </a:xfrm>
       </p:grpSpPr>
+      <p:sp>
+        <p:nvSpPr>
+          <p:cNvPr id="2" name="Title 1">
+            <a:extLst>
+              <a:ext uri="{FF2B5EF4-FFF2-40B4-BE49-F238E27FC236}">
+                <a16:creationId xmlns:a16="http://schemas.microsoft.com/office/drawing/2014/main" id="{06A56D74-F5EF-408D-9608-0C4ADE5CA6A0}"/>
+              </a:ext>
+            </a:extLst>
+          </p:cNvPr>
+          <p:cNvSpPr>
+            <a:spLocks noGrp="1"/>
+          </p:cNvSpPr>
+          <p:nvPr>
+            <p:ph type="title"/>
+          </p:nvPr>
+        </p:nvSpPr>
+        <p:spPr/>
+        <p:txBody>
+          <a:bodyPr/>
+          <a:lstStyle/>
+          <a:p>
+            <a:r>
+              <a:rPr lang="en-US" dirty="0">
+                <a:latin typeface="Genome Thin" panose="00000300000000000000" pitchFamily="50" charset="0"/>
+              </a:rPr>
+              <a:t>Android App</a:t>
+            </a:r>
+            <a:endParaRPr lang="de-DE" dirty="0">
+              <a:latin typeface="Genome Thin" panose="00000300000000000000" pitchFamily="50" charset="0"/>
+            </a:endParaRPr>
+          </a:p>
+        </p:txBody>
+      </p:sp>
+      <p:sp>
+        <p:nvSpPr>
+          <p:cNvPr id="3" name="Content Placeholder 2">
+            <a:extLst>
+              <a:ext uri="{FF2B5EF4-FFF2-40B4-BE49-F238E27FC236}">
+                <a16:creationId xmlns:a16="http://schemas.microsoft.com/office/drawing/2014/main" id="{374BEA72-8F23-48E5-8FA4-5AF314979027}"/>
+              </a:ext>
+            </a:extLst>
+          </p:cNvPr>
+          <p:cNvSpPr>
+            <a:spLocks noGrp="1"/>
+          </p:cNvSpPr>
+          <p:nvPr>
+            <p:ph idx="1"/>
+          </p:nvPr>
+        </p:nvSpPr>
+        <p:spPr>
+          <a:xfrm>
+            <a:off x="8404677" y="1681682"/>
+            <a:ext cx="4754928" cy="4343400"/>
+          </a:xfrm>
+        </p:spPr>
+        <p:txBody>
+          <a:bodyPr vert="horz" lIns="91440" tIns="45720" rIns="91440" bIns="45720" rtlCol="0" anchor="t">
+            <a:normAutofit/>
+          </a:bodyPr>
+          <a:lstStyle/>
+          <a:p>
+            <a:pPr marL="0" indent="0">
+              <a:buNone/>
+            </a:pPr>
+            <a:r>
+              <a:rPr lang="de-DE" dirty="0"/>
+              <a:t>Video Background</a:t>
+            </a:r>
+          </a:p>
+          <a:p>
+            <a:pPr marL="0" indent="0">
+              <a:buNone/>
+            </a:pPr>
+            <a:endParaRPr lang="de-DE" dirty="0"/>
+          </a:p>
+        </p:txBody>
+      </p:sp>
       <p:pic>
         <p:nvPicPr>
-          <p:cNvPr id="10" name="Picture 9">
+          <p:cNvPr id="5" name="Picture 5" descr="A screenshot of a cell phone&#10;&#10;Description generated with very high confidence">
             <a:extLst>
               <a:ext uri="{FF2B5EF4-FFF2-40B4-BE49-F238E27FC236}">
-                <a16:creationId xmlns:a16="http://schemas.microsoft.com/office/drawing/2014/main" id="{8F6BEA02-4142-40CD-83DA-E6DEF0AAB76A}"/>
+                <a16:creationId xmlns:a16="http://schemas.microsoft.com/office/drawing/2014/main" id="{4E292029-56A7-42A9-90AA-442B5659E699}"/>
               </a:ext>
             </a:extLst>
           </p:cNvPr>
@@ -7682,8 +8114,8 @@
         </p:blipFill>
         <p:spPr>
           <a:xfrm>
-            <a:off x="1036665" y="1983873"/>
-            <a:ext cx="5093472" cy="2673585"/>
+            <a:off x="615043" y="1617341"/>
+            <a:ext cx="4376057" cy="4802605"/>
           </a:xfrm>
           <a:prstGeom prst="rect">
             <a:avLst/>
@@ -7692,10 +8124,10 @@
       </p:pic>
       <p:pic>
         <p:nvPicPr>
-          <p:cNvPr id="6" name="Picture 5">
+          <p:cNvPr id="7" name="Picture 7" descr="A picture containing clock, object&#10;&#10;Description generated with very high confidence">
             <a:extLst>
               <a:ext uri="{FF2B5EF4-FFF2-40B4-BE49-F238E27FC236}">
-                <a16:creationId xmlns:a16="http://schemas.microsoft.com/office/drawing/2014/main" id="{FAA09608-2821-4E90-B84A-1815F08D7353}"/>
+                <a16:creationId xmlns:a16="http://schemas.microsoft.com/office/drawing/2014/main" id="{E5219E48-BF8A-4CCA-9F33-6785DB2B3E5D}"/>
               </a:ext>
             </a:extLst>
           </p:cNvPr>
@@ -7712,98 +8144,20 @@
         </p:blipFill>
         <p:spPr>
           <a:xfrm>
-            <a:off x="1036665" y="4928296"/>
-            <a:ext cx="3743851" cy="1149627"/>
+            <a:off x="5776684" y="2943093"/>
+            <a:ext cx="5255986" cy="485907"/>
           </a:xfrm>
           <a:prstGeom prst="rect">
             <a:avLst/>
           </a:prstGeom>
         </p:spPr>
       </p:pic>
-      <p:sp>
-        <p:nvSpPr>
-          <p:cNvPr id="2" name="Title 1">
+      <p:pic>
+        <p:nvPicPr>
+          <p:cNvPr id="9" name="Picture 9" descr="A close up of a sign&#10;&#10;Description generated with high confidence">
             <a:extLst>
               <a:ext uri="{FF2B5EF4-FFF2-40B4-BE49-F238E27FC236}">
-                <a16:creationId xmlns:a16="http://schemas.microsoft.com/office/drawing/2014/main" id="{06A56D74-F5EF-408D-9608-0C4ADE5CA6A0}"/>
-              </a:ext>
-            </a:extLst>
-          </p:cNvPr>
-          <p:cNvSpPr>
-            <a:spLocks noGrp="1"/>
-          </p:cNvSpPr>
-          <p:nvPr>
-            <p:ph type="title"/>
-          </p:nvPr>
-        </p:nvSpPr>
-        <p:spPr/>
-        <p:txBody>
-          <a:bodyPr/>
-          <a:lstStyle/>
-          <a:p>
-            <a:r>
-              <a:rPr lang="en-US" dirty="0">
-                <a:latin typeface="Genome Thin" panose="00000300000000000000" pitchFamily="50" charset="0"/>
-              </a:rPr>
-              <a:t>Android App</a:t>
-            </a:r>
-            <a:endParaRPr lang="de-DE" dirty="0">
-              <a:latin typeface="Genome Thin" panose="00000300000000000000" pitchFamily="50" charset="0"/>
-            </a:endParaRPr>
-          </a:p>
-        </p:txBody>
-      </p:sp>
-      <p:sp>
-        <p:nvSpPr>
-          <p:cNvPr id="3" name="Content Placeholder 2">
-            <a:extLst>
-              <a:ext uri="{FF2B5EF4-FFF2-40B4-BE49-F238E27FC236}">
-                <a16:creationId xmlns:a16="http://schemas.microsoft.com/office/drawing/2014/main" id="{374BEA72-8F23-48E5-8FA4-5AF314979027}"/>
-              </a:ext>
-            </a:extLst>
-          </p:cNvPr>
-          <p:cNvSpPr>
-            <a:spLocks noGrp="1"/>
-          </p:cNvSpPr>
-          <p:nvPr>
-            <p:ph idx="1"/>
-          </p:nvPr>
-        </p:nvSpPr>
-        <p:spPr>
-          <a:xfrm>
-            <a:off x="9465040" y="1983873"/>
-            <a:ext cx="4754928" cy="4343400"/>
-          </a:xfrm>
-        </p:spPr>
-        <p:txBody>
-          <a:bodyPr vert="horz" lIns="91440" tIns="45720" rIns="91440" bIns="45720" rtlCol="0" anchor="t">
-            <a:normAutofit/>
-          </a:bodyPr>
-          <a:lstStyle/>
-          <a:p>
-            <a:pPr marL="0" indent="0">
-              <a:buNone/>
-            </a:pPr>
-            <a:r>
-              <a:rPr lang="de-DE" dirty="0" err="1"/>
-              <a:t>Animations</a:t>
-            </a:r>
-            <a:endParaRPr lang="de-DE" dirty="0"/>
-          </a:p>
-          <a:p>
-            <a:pPr marL="0" indent="0">
-              <a:buNone/>
-            </a:pPr>
-            <a:endParaRPr lang="de-DE" dirty="0"/>
-          </a:p>
-        </p:txBody>
-      </p:sp>
-      <p:pic>
-        <p:nvPicPr>
-          <p:cNvPr id="12" name="Picture 11">
-            <a:extLst>
-              <a:ext uri="{FF2B5EF4-FFF2-40B4-BE49-F238E27FC236}">
-                <a16:creationId xmlns:a16="http://schemas.microsoft.com/office/drawing/2014/main" id="{7EF2287F-F92F-465A-A56B-7E1D76F6FC80}"/>
+                <a16:creationId xmlns:a16="http://schemas.microsoft.com/office/drawing/2014/main" id="{C644E1F0-F534-4598-9A00-12BF1518791D}"/>
               </a:ext>
             </a:extLst>
           </p:cNvPr>
@@ -7820,8 +8174,636 @@
         </p:blipFill>
         <p:spPr>
           <a:xfrm>
-            <a:off x="6867855" y="3404338"/>
-            <a:ext cx="4287480" cy="2673585"/>
+            <a:off x="5776686" y="4263292"/>
+            <a:ext cx="5255985" cy="2159557"/>
+          </a:xfrm>
+          <a:prstGeom prst="rect">
+            <a:avLst/>
+          </a:prstGeom>
+        </p:spPr>
+      </p:pic>
+    </p:spTree>
+    <p:extLst>
+      <p:ext uri="{BB962C8B-B14F-4D97-AF65-F5344CB8AC3E}">
+        <p14:creationId xmlns:p14="http://schemas.microsoft.com/office/powerpoint/2010/main" val="4175124976"/>
+      </p:ext>
+    </p:extLst>
+  </p:cSld>
+  <p:clrMapOvr>
+    <a:masterClrMapping/>
+  </p:clrMapOvr>
+  <mc:AlternateContent xmlns:mc="http://schemas.openxmlformats.org/markup-compatibility/2006" xmlns:p14="http://schemas.microsoft.com/office/powerpoint/2010/main">
+    <mc:Choice Requires="p14">
+      <p:transition spd="med" p14:dur="700">
+        <p:fade/>
+      </p:transition>
+    </mc:Choice>
+    <mc:Fallback xmlns="">
+      <p:transition spd="med">
+        <p:fade/>
+      </p:transition>
+    </mc:Fallback>
+  </mc:AlternateContent>
+</p:sld>
+</file>
+
+<file path=ppt/slides/slide15.xml><?xml version="1.0" encoding="utf-8"?>
+<p:sld xmlns:a="http://schemas.openxmlformats.org/drawingml/2006/main" xmlns:r="http://schemas.openxmlformats.org/officeDocument/2006/relationships" xmlns:p="http://schemas.openxmlformats.org/presentationml/2006/main">
+  <p:cSld>
+    <p:spTree>
+      <p:nvGrpSpPr>
+        <p:cNvPr id="1" name=""/>
+        <p:cNvGrpSpPr/>
+        <p:nvPr/>
+      </p:nvGrpSpPr>
+      <p:grpSpPr>
+        <a:xfrm>
+          <a:off x="0" y="0"/>
+          <a:ext cx="0" cy="0"/>
+          <a:chOff x="0" y="0"/>
+          <a:chExt cx="0" cy="0"/>
+        </a:xfrm>
+      </p:grpSpPr>
+      <p:pic>
+        <p:nvPicPr>
+          <p:cNvPr id="8" name="Picture 7">
+            <a:extLst>
+              <a:ext uri="{FF2B5EF4-FFF2-40B4-BE49-F238E27FC236}">
+                <a16:creationId xmlns:a16="http://schemas.microsoft.com/office/drawing/2014/main" id="{B9346541-4096-4FB0-A1C8-E73E93F2539A}"/>
+              </a:ext>
+            </a:extLst>
+          </p:cNvPr>
+          <p:cNvPicPr>
+            <a:picLocks noChangeAspect="1"/>
+          </p:cNvPicPr>
+          <p:nvPr/>
+        </p:nvPicPr>
+        <p:blipFill rotWithShape="1">
+          <a:blip r:embed="rId2"/>
+          <a:srcRect r="37440"/>
+          <a:stretch/>
+        </p:blipFill>
+        <p:spPr>
+          <a:xfrm>
+            <a:off x="7061845" y="2851383"/>
+            <a:ext cx="3490244" cy="3305156"/>
+          </a:xfrm>
+          <a:prstGeom prst="rect">
+            <a:avLst/>
+          </a:prstGeom>
+        </p:spPr>
+      </p:pic>
+      <p:sp>
+        <p:nvSpPr>
+          <p:cNvPr id="2" name="Title 1">
+            <a:extLst>
+              <a:ext uri="{FF2B5EF4-FFF2-40B4-BE49-F238E27FC236}">
+                <a16:creationId xmlns:a16="http://schemas.microsoft.com/office/drawing/2014/main" id="{06A56D74-F5EF-408D-9608-0C4ADE5CA6A0}"/>
+              </a:ext>
+            </a:extLst>
+          </p:cNvPr>
+          <p:cNvSpPr>
+            <a:spLocks noGrp="1"/>
+          </p:cNvSpPr>
+          <p:nvPr>
+            <p:ph type="title"/>
+          </p:nvPr>
+        </p:nvSpPr>
+        <p:spPr/>
+        <p:txBody>
+          <a:bodyPr/>
+          <a:lstStyle/>
+          <a:p>
+            <a:r>
+              <a:rPr lang="en-US" dirty="0">
+                <a:latin typeface="Genome Thin" panose="00000300000000000000" pitchFamily="50" charset="0"/>
+              </a:rPr>
+              <a:t>Android App</a:t>
+            </a:r>
+            <a:endParaRPr lang="de-DE" dirty="0">
+              <a:latin typeface="Genome Thin" panose="00000300000000000000" pitchFamily="50" charset="0"/>
+            </a:endParaRPr>
+          </a:p>
+        </p:txBody>
+      </p:sp>
+      <p:sp>
+        <p:nvSpPr>
+          <p:cNvPr id="3" name="Content Placeholder 2">
+            <a:extLst>
+              <a:ext uri="{FF2B5EF4-FFF2-40B4-BE49-F238E27FC236}">
+                <a16:creationId xmlns:a16="http://schemas.microsoft.com/office/drawing/2014/main" id="{374BEA72-8F23-48E5-8FA4-5AF314979027}"/>
+              </a:ext>
+            </a:extLst>
+          </p:cNvPr>
+          <p:cNvSpPr>
+            <a:spLocks noGrp="1"/>
+          </p:cNvSpPr>
+          <p:nvPr>
+            <p:ph idx="1"/>
+          </p:nvPr>
+        </p:nvSpPr>
+        <p:spPr>
+          <a:xfrm>
+            <a:off x="8174625" y="1983872"/>
+            <a:ext cx="4754928" cy="4343400"/>
+          </a:xfrm>
+        </p:spPr>
+        <p:txBody>
+          <a:bodyPr vert="horz" lIns="91440" tIns="45720" rIns="91440" bIns="45720" rtlCol="0" anchor="t">
+            <a:normAutofit/>
+          </a:bodyPr>
+          <a:lstStyle/>
+          <a:p>
+            <a:pPr marL="0" indent="0">
+              <a:buNone/>
+            </a:pPr>
+            <a:r>
+              <a:rPr lang="de-DE" dirty="0"/>
+              <a:t>Webservice Calls</a:t>
+            </a:r>
+          </a:p>
+          <a:p>
+            <a:pPr marL="0" indent="0">
+              <a:buNone/>
+            </a:pPr>
+            <a:endParaRPr lang="de-DE" dirty="0"/>
+          </a:p>
+        </p:txBody>
+      </p:sp>
+      <p:pic>
+        <p:nvPicPr>
+          <p:cNvPr id="5" name="Picture 4">
+            <a:extLst>
+              <a:ext uri="{FF2B5EF4-FFF2-40B4-BE49-F238E27FC236}">
+                <a16:creationId xmlns:a16="http://schemas.microsoft.com/office/drawing/2014/main" id="{55BD9F49-F054-480B-8711-44A705D95BF9}"/>
+              </a:ext>
+            </a:extLst>
+          </p:cNvPr>
+          <p:cNvPicPr>
+            <a:picLocks noChangeAspect="1"/>
+          </p:cNvPicPr>
+          <p:nvPr/>
+        </p:nvPicPr>
+        <p:blipFill>
+          <a:blip r:embed="rId3"/>
+          <a:stretch>
+            <a:fillRect/>
+          </a:stretch>
+        </p:blipFill>
+        <p:spPr>
+          <a:xfrm>
+            <a:off x="1295400" y="2129833"/>
+            <a:ext cx="4936846" cy="4197439"/>
+          </a:xfrm>
+          <a:prstGeom prst="rect">
+            <a:avLst/>
+          </a:prstGeom>
+        </p:spPr>
+      </p:pic>
+      <p:pic>
+        <p:nvPicPr>
+          <p:cNvPr id="12" name="Picture 11">
+            <a:extLst>
+              <a:ext uri="{FF2B5EF4-FFF2-40B4-BE49-F238E27FC236}">
+                <a16:creationId xmlns:a16="http://schemas.microsoft.com/office/drawing/2014/main" id="{0FFDF55A-43C7-47A7-A6D2-13BDD7331B33}"/>
+              </a:ext>
+            </a:extLst>
+          </p:cNvPr>
+          <p:cNvPicPr>
+            <a:picLocks noChangeAspect="1"/>
+          </p:cNvPicPr>
+          <p:nvPr/>
+        </p:nvPicPr>
+        <p:blipFill>
+          <a:blip r:embed="rId4"/>
+          <a:stretch>
+            <a:fillRect/>
+          </a:stretch>
+        </p:blipFill>
+        <p:spPr>
+          <a:xfrm>
+            <a:off x="7061845" y="2559514"/>
+            <a:ext cx="3490244" cy="121136"/>
+          </a:xfrm>
+          <a:prstGeom prst="rect">
+            <a:avLst/>
+          </a:prstGeom>
+        </p:spPr>
+      </p:pic>
+    </p:spTree>
+    <p:extLst>
+      <p:ext uri="{BB962C8B-B14F-4D97-AF65-F5344CB8AC3E}">
+        <p14:creationId xmlns:p14="http://schemas.microsoft.com/office/powerpoint/2010/main" val="3523703116"/>
+      </p:ext>
+    </p:extLst>
+  </p:cSld>
+  <p:clrMapOvr>
+    <a:masterClrMapping/>
+  </p:clrMapOvr>
+  <mc:AlternateContent xmlns:mc="http://schemas.openxmlformats.org/markup-compatibility/2006" xmlns:p14="http://schemas.microsoft.com/office/powerpoint/2010/main">
+    <mc:Choice Requires="p14">
+      <p:transition spd="med" p14:dur="700">
+        <p:fade/>
+      </p:transition>
+    </mc:Choice>
+    <mc:Fallback xmlns="">
+      <p:transition spd="med">
+        <p:fade/>
+      </p:transition>
+    </mc:Fallback>
+  </mc:AlternateContent>
+</p:sld>
+</file>
+
+<file path=ppt/slides/slide16.xml><?xml version="1.0" encoding="utf-8"?>
+<p:sld xmlns:a="http://schemas.openxmlformats.org/drawingml/2006/main" xmlns:r="http://schemas.openxmlformats.org/officeDocument/2006/relationships" xmlns:p="http://schemas.openxmlformats.org/presentationml/2006/main">
+  <p:cSld>
+    <p:spTree>
+      <p:nvGrpSpPr>
+        <p:cNvPr id="1" name=""/>
+        <p:cNvGrpSpPr/>
+        <p:nvPr/>
+      </p:nvGrpSpPr>
+      <p:grpSpPr>
+        <a:xfrm>
+          <a:off x="0" y="0"/>
+          <a:ext cx="0" cy="0"/>
+          <a:chOff x="0" y="0"/>
+          <a:chExt cx="0" cy="0"/>
+        </a:xfrm>
+      </p:grpSpPr>
+      <p:pic>
+        <p:nvPicPr>
+          <p:cNvPr id="10" name="Picture 9">
+            <a:extLst>
+              <a:ext uri="{FF2B5EF4-FFF2-40B4-BE49-F238E27FC236}">
+                <a16:creationId xmlns:a16="http://schemas.microsoft.com/office/drawing/2014/main" id="{7C1DF44E-5361-456E-9F4B-E70367E0B965}"/>
+              </a:ext>
+            </a:extLst>
+          </p:cNvPr>
+          <p:cNvPicPr>
+            <a:picLocks noChangeAspect="1"/>
+          </p:cNvPicPr>
+          <p:nvPr/>
+        </p:nvPicPr>
+        <p:blipFill>
+          <a:blip r:embed="rId2"/>
+          <a:stretch>
+            <a:fillRect/>
+          </a:stretch>
+        </p:blipFill>
+        <p:spPr>
+          <a:xfrm>
+            <a:off x="6422527" y="2956947"/>
+            <a:ext cx="4772691" cy="3029373"/>
+          </a:xfrm>
+          <a:prstGeom prst="rect">
+            <a:avLst/>
+          </a:prstGeom>
+        </p:spPr>
+      </p:pic>
+      <p:sp>
+        <p:nvSpPr>
+          <p:cNvPr id="2" name="Title 1">
+            <a:extLst>
+              <a:ext uri="{FF2B5EF4-FFF2-40B4-BE49-F238E27FC236}">
+                <a16:creationId xmlns:a16="http://schemas.microsoft.com/office/drawing/2014/main" id="{06A56D74-F5EF-408D-9608-0C4ADE5CA6A0}"/>
+              </a:ext>
+            </a:extLst>
+          </p:cNvPr>
+          <p:cNvSpPr>
+            <a:spLocks noGrp="1"/>
+          </p:cNvSpPr>
+          <p:nvPr>
+            <p:ph type="title"/>
+          </p:nvPr>
+        </p:nvSpPr>
+        <p:spPr/>
+        <p:txBody>
+          <a:bodyPr/>
+          <a:lstStyle/>
+          <a:p>
+            <a:r>
+              <a:rPr lang="en-US" dirty="0">
+                <a:latin typeface="Genome Thin" panose="00000300000000000000" pitchFamily="50" charset="0"/>
+              </a:rPr>
+              <a:t>Android App</a:t>
+            </a:r>
+            <a:endParaRPr lang="de-DE" dirty="0">
+              <a:latin typeface="Genome Thin" panose="00000300000000000000" pitchFamily="50" charset="0"/>
+            </a:endParaRPr>
+          </a:p>
+        </p:txBody>
+      </p:sp>
+      <p:sp>
+        <p:nvSpPr>
+          <p:cNvPr id="3" name="Content Placeholder 2">
+            <a:extLst>
+              <a:ext uri="{FF2B5EF4-FFF2-40B4-BE49-F238E27FC236}">
+                <a16:creationId xmlns:a16="http://schemas.microsoft.com/office/drawing/2014/main" id="{374BEA72-8F23-48E5-8FA4-5AF314979027}"/>
+              </a:ext>
+            </a:extLst>
+          </p:cNvPr>
+          <p:cNvSpPr>
+            <a:spLocks noGrp="1"/>
+          </p:cNvSpPr>
+          <p:nvPr>
+            <p:ph idx="1"/>
+          </p:nvPr>
+        </p:nvSpPr>
+        <p:spPr>
+          <a:xfrm>
+            <a:off x="9550498" y="1985122"/>
+            <a:ext cx="4754928" cy="4343400"/>
+          </a:xfrm>
+        </p:spPr>
+        <p:txBody>
+          <a:bodyPr vert="horz" lIns="91440" tIns="45720" rIns="91440" bIns="45720" rtlCol="0" anchor="t">
+            <a:normAutofit/>
+          </a:bodyPr>
+          <a:lstStyle/>
+          <a:p>
+            <a:pPr marL="0" indent="0">
+              <a:buNone/>
+            </a:pPr>
+            <a:r>
+              <a:rPr lang="de-DE" dirty="0" err="1"/>
+              <a:t>Drawables</a:t>
+            </a:r>
+            <a:endParaRPr lang="de-DE" dirty="0"/>
+          </a:p>
+          <a:p>
+            <a:pPr marL="0" indent="0">
+              <a:buNone/>
+            </a:pPr>
+            <a:endParaRPr lang="de-DE" dirty="0"/>
+          </a:p>
+        </p:txBody>
+      </p:sp>
+      <p:pic>
+        <p:nvPicPr>
+          <p:cNvPr id="6" name="Picture 5">
+            <a:extLst>
+              <a:ext uri="{FF2B5EF4-FFF2-40B4-BE49-F238E27FC236}">
+                <a16:creationId xmlns:a16="http://schemas.microsoft.com/office/drawing/2014/main" id="{5BA9C608-A003-498D-9022-4669ABC5876E}"/>
+              </a:ext>
+            </a:extLst>
+          </p:cNvPr>
+          <p:cNvPicPr>
+            <a:picLocks noChangeAspect="1"/>
+          </p:cNvPicPr>
+          <p:nvPr/>
+        </p:nvPicPr>
+        <p:blipFill>
+          <a:blip r:embed="rId3"/>
+          <a:stretch>
+            <a:fillRect/>
+          </a:stretch>
+        </p:blipFill>
+        <p:spPr>
+          <a:xfrm>
+            <a:off x="996780" y="2956947"/>
+            <a:ext cx="4429743" cy="1514686"/>
+          </a:xfrm>
+          <a:prstGeom prst="rect">
+            <a:avLst/>
+          </a:prstGeom>
+        </p:spPr>
+      </p:pic>
+      <p:pic>
+        <p:nvPicPr>
+          <p:cNvPr id="12" name="Picture 11">
+            <a:extLst>
+              <a:ext uri="{FF2B5EF4-FFF2-40B4-BE49-F238E27FC236}">
+                <a16:creationId xmlns:a16="http://schemas.microsoft.com/office/drawing/2014/main" id="{09138E20-A489-4428-879D-D73AAFE575B0}"/>
+              </a:ext>
+            </a:extLst>
+          </p:cNvPr>
+          <p:cNvPicPr>
+            <a:picLocks noChangeAspect="1"/>
+          </p:cNvPicPr>
+          <p:nvPr/>
+        </p:nvPicPr>
+        <p:blipFill>
+          <a:blip r:embed="rId4"/>
+          <a:stretch>
+            <a:fillRect/>
+          </a:stretch>
+        </p:blipFill>
+        <p:spPr>
+          <a:xfrm>
+            <a:off x="996781" y="4614529"/>
+            <a:ext cx="4429743" cy="1371791"/>
+          </a:xfrm>
+          <a:prstGeom prst="rect">
+            <a:avLst/>
+          </a:prstGeom>
+        </p:spPr>
+      </p:pic>
+    </p:spTree>
+    <p:extLst>
+      <p:ext uri="{BB962C8B-B14F-4D97-AF65-F5344CB8AC3E}">
+        <p14:creationId xmlns:p14="http://schemas.microsoft.com/office/powerpoint/2010/main" val="840841185"/>
+      </p:ext>
+    </p:extLst>
+  </p:cSld>
+  <p:clrMapOvr>
+    <a:masterClrMapping/>
+  </p:clrMapOvr>
+  <mc:AlternateContent xmlns:mc="http://schemas.openxmlformats.org/markup-compatibility/2006" xmlns:p14="http://schemas.microsoft.com/office/powerpoint/2010/main">
+    <mc:Choice Requires="p14">
+      <p:transition spd="med" p14:dur="700">
+        <p:fade/>
+      </p:transition>
+    </mc:Choice>
+    <mc:Fallback xmlns="">
+      <p:transition spd="med">
+        <p:fade/>
+      </p:transition>
+    </mc:Fallback>
+  </mc:AlternateContent>
+</p:sld>
+</file>
+
+<file path=ppt/slides/slide17.xml><?xml version="1.0" encoding="utf-8"?>
+<p:sld xmlns:a="http://schemas.openxmlformats.org/drawingml/2006/main" xmlns:r="http://schemas.openxmlformats.org/officeDocument/2006/relationships" xmlns:p="http://schemas.openxmlformats.org/presentationml/2006/main">
+  <p:cSld>
+    <p:spTree>
+      <p:nvGrpSpPr>
+        <p:cNvPr id="1" name=""/>
+        <p:cNvGrpSpPr/>
+        <p:nvPr/>
+      </p:nvGrpSpPr>
+      <p:grpSpPr>
+        <a:xfrm>
+          <a:off x="0" y="0"/>
+          <a:ext cx="0" cy="0"/>
+          <a:chOff x="0" y="0"/>
+          <a:chExt cx="0" cy="0"/>
+        </a:xfrm>
+      </p:grpSpPr>
+      <p:pic>
+        <p:nvPicPr>
+          <p:cNvPr id="8" name="Picture 7">
+            <a:extLst>
+              <a:ext uri="{FF2B5EF4-FFF2-40B4-BE49-F238E27FC236}">
+                <a16:creationId xmlns:a16="http://schemas.microsoft.com/office/drawing/2014/main" id="{6A9E4B04-5896-417B-812D-624F3F9CF537}"/>
+              </a:ext>
+            </a:extLst>
+          </p:cNvPr>
+          <p:cNvPicPr>
+            <a:picLocks noChangeAspect="1"/>
+          </p:cNvPicPr>
+          <p:nvPr/>
+        </p:nvPicPr>
+        <p:blipFill>
+          <a:blip r:embed="rId2"/>
+          <a:stretch>
+            <a:fillRect/>
+          </a:stretch>
+        </p:blipFill>
+        <p:spPr>
+          <a:xfrm>
+            <a:off x="6867854" y="2866661"/>
+            <a:ext cx="4287765" cy="3211262"/>
+          </a:xfrm>
+          <a:prstGeom prst="rect">
+            <a:avLst/>
+          </a:prstGeom>
+        </p:spPr>
+      </p:pic>
+      <p:pic>
+        <p:nvPicPr>
+          <p:cNvPr id="5" name="Picture 4">
+            <a:extLst>
+              <a:ext uri="{FF2B5EF4-FFF2-40B4-BE49-F238E27FC236}">
+                <a16:creationId xmlns:a16="http://schemas.microsoft.com/office/drawing/2014/main" id="{381DED0F-20B4-40C8-8DAC-BA5876A2B3FD}"/>
+              </a:ext>
+            </a:extLst>
+          </p:cNvPr>
+          <p:cNvPicPr>
+            <a:picLocks noChangeAspect="1"/>
+          </p:cNvPicPr>
+          <p:nvPr/>
+        </p:nvPicPr>
+        <p:blipFill>
+          <a:blip r:embed="rId3"/>
+          <a:stretch>
+            <a:fillRect/>
+          </a:stretch>
+        </p:blipFill>
+        <p:spPr>
+          <a:xfrm>
+            <a:off x="1036665" y="4738315"/>
+            <a:ext cx="3743851" cy="1339608"/>
+          </a:xfrm>
+          <a:prstGeom prst="rect">
+            <a:avLst/>
+          </a:prstGeom>
+        </p:spPr>
+      </p:pic>
+      <p:sp>
+        <p:nvSpPr>
+          <p:cNvPr id="2" name="Title 1">
+            <a:extLst>
+              <a:ext uri="{FF2B5EF4-FFF2-40B4-BE49-F238E27FC236}">
+                <a16:creationId xmlns:a16="http://schemas.microsoft.com/office/drawing/2014/main" id="{06A56D74-F5EF-408D-9608-0C4ADE5CA6A0}"/>
+              </a:ext>
+            </a:extLst>
+          </p:cNvPr>
+          <p:cNvSpPr>
+            <a:spLocks noGrp="1"/>
+          </p:cNvSpPr>
+          <p:nvPr>
+            <p:ph type="title"/>
+          </p:nvPr>
+        </p:nvSpPr>
+        <p:spPr/>
+        <p:txBody>
+          <a:bodyPr/>
+          <a:lstStyle/>
+          <a:p>
+            <a:r>
+              <a:rPr lang="en-US" dirty="0">
+                <a:latin typeface="Genome Thin" panose="00000300000000000000" pitchFamily="50" charset="0"/>
+              </a:rPr>
+              <a:t>Android App</a:t>
+            </a:r>
+            <a:endParaRPr lang="de-DE" dirty="0">
+              <a:latin typeface="Genome Thin" panose="00000300000000000000" pitchFamily="50" charset="0"/>
+            </a:endParaRPr>
+          </a:p>
+        </p:txBody>
+      </p:sp>
+      <p:sp>
+        <p:nvSpPr>
+          <p:cNvPr id="3" name="Content Placeholder 2">
+            <a:extLst>
+              <a:ext uri="{FF2B5EF4-FFF2-40B4-BE49-F238E27FC236}">
+                <a16:creationId xmlns:a16="http://schemas.microsoft.com/office/drawing/2014/main" id="{374BEA72-8F23-48E5-8FA4-5AF314979027}"/>
+              </a:ext>
+            </a:extLst>
+          </p:cNvPr>
+          <p:cNvSpPr>
+            <a:spLocks noGrp="1"/>
+          </p:cNvSpPr>
+          <p:nvPr>
+            <p:ph idx="1"/>
+          </p:nvPr>
+        </p:nvSpPr>
+        <p:spPr>
+          <a:xfrm>
+            <a:off x="9465040" y="1983873"/>
+            <a:ext cx="4754928" cy="4343400"/>
+          </a:xfrm>
+        </p:spPr>
+        <p:txBody>
+          <a:bodyPr vert="horz" lIns="91440" tIns="45720" rIns="91440" bIns="45720" rtlCol="0" anchor="t">
+            <a:normAutofit/>
+          </a:bodyPr>
+          <a:lstStyle/>
+          <a:p>
+            <a:pPr marL="0" indent="0">
+              <a:buNone/>
+            </a:pPr>
+            <a:r>
+              <a:rPr lang="de-DE" dirty="0" err="1"/>
+              <a:t>Animations</a:t>
+            </a:r>
+            <a:endParaRPr lang="de-DE" dirty="0"/>
+          </a:p>
+          <a:p>
+            <a:pPr marL="0" indent="0">
+              <a:buNone/>
+            </a:pPr>
+            <a:endParaRPr lang="de-DE" dirty="0"/>
+          </a:p>
+        </p:txBody>
+      </p:sp>
+      <p:pic>
+        <p:nvPicPr>
+          <p:cNvPr id="11" name="Picture 10">
+            <a:extLst>
+              <a:ext uri="{FF2B5EF4-FFF2-40B4-BE49-F238E27FC236}">
+                <a16:creationId xmlns:a16="http://schemas.microsoft.com/office/drawing/2014/main" id="{4B368E63-F45D-4413-A88A-A1C10B1DA813}"/>
+              </a:ext>
+            </a:extLst>
+          </p:cNvPr>
+          <p:cNvPicPr>
+            <a:picLocks noChangeAspect="1"/>
+          </p:cNvPicPr>
+          <p:nvPr/>
+        </p:nvPicPr>
+        <p:blipFill>
+          <a:blip r:embed="rId4"/>
+          <a:stretch>
+            <a:fillRect/>
+          </a:stretch>
+        </p:blipFill>
+        <p:spPr>
+          <a:xfrm>
+            <a:off x="1036381" y="1983874"/>
+            <a:ext cx="4783305" cy="2665556"/>
           </a:xfrm>
           <a:prstGeom prst="rect">
             <a:avLst/>
@@ -7853,7 +8835,7 @@
 </p:sld>
 </file>
 
-<file path=ppt/slides/slide15.xml><?xml version="1.0" encoding="utf-8"?>
+<file path=ppt/slides/slide18.xml><?xml version="1.0" encoding="utf-8"?>
 <p:sld xmlns:a="http://schemas.openxmlformats.org/drawingml/2006/main" xmlns:r="http://schemas.openxmlformats.org/officeDocument/2006/relationships" xmlns:p="http://schemas.openxmlformats.org/presentationml/2006/main">
   <p:cSld>
     <p:spTree>
@@ -11080,178 +12062,286 @@
           <a:chExt cx="0" cy="0"/>
         </a:xfrm>
       </p:grpSpPr>
+      <p:sp>
+        <p:nvSpPr>
+          <p:cNvPr id="2" name="Title 1">
+            <a:extLst>
+              <a:ext uri="{FF2B5EF4-FFF2-40B4-BE49-F238E27FC236}">
+                <a16:creationId xmlns:a16="http://schemas.microsoft.com/office/drawing/2014/main" id="{E140BE3E-AB01-483B-8A1F-E7001FB94866}"/>
+              </a:ext>
+            </a:extLst>
+          </p:cNvPr>
+          <p:cNvSpPr>
+            <a:spLocks noGrp="1"/>
+          </p:cNvSpPr>
+          <p:nvPr>
+            <p:ph type="title"/>
+          </p:nvPr>
+        </p:nvSpPr>
+        <p:spPr/>
+        <p:txBody>
+          <a:bodyPr/>
+          <a:lstStyle/>
+          <a:p>
+            <a:r>
+              <a:rPr lang="de-DE" dirty="0"/>
+              <a:t>Android App</a:t>
+            </a:r>
+            <a:endParaRPr lang="en-DE" dirty="0"/>
+          </a:p>
+        </p:txBody>
+      </p:sp>
       <p:pic>
         <p:nvPicPr>
-          <p:cNvPr id="12" name="Picture 11">
+          <p:cNvPr id="1026" name="Picture 2" descr="Bildergebnis für sonarqube">
             <a:extLst>
               <a:ext uri="{FF2B5EF4-FFF2-40B4-BE49-F238E27FC236}">
-                <a16:creationId xmlns:a16="http://schemas.microsoft.com/office/drawing/2014/main" id="{34A7153C-A4D8-449F-86FF-9C49019DA537}"/>
+                <a16:creationId xmlns:a16="http://schemas.microsoft.com/office/drawing/2014/main" id="{436CF975-0678-4ED3-A6C9-061EEA4B2A8F}"/>
               </a:ext>
             </a:extLst>
           </p:cNvPr>
           <p:cNvPicPr>
-            <a:picLocks noChangeAspect="1"/>
+            <a:picLocks noGrp="1" noChangeAspect="1" noChangeArrowheads="1"/>
           </p:cNvPicPr>
-          <p:nvPr/>
+          <p:nvPr>
+            <p:ph idx="1"/>
+          </p:nvPr>
         </p:nvPicPr>
         <p:blipFill>
-          <a:blip r:embed="rId2"/>
+          <a:blip r:embed="rId2">
+            <a:extLst>
+              <a:ext uri="{28A0092B-C50C-407E-A947-70E740481C1C}">
+                <a14:useLocalDpi xmlns:a14="http://schemas.microsoft.com/office/drawing/2010/main" val="0"/>
+              </a:ext>
+            </a:extLst>
+          </a:blip>
+          <a:srcRect/>
           <a:stretch>
             <a:fillRect/>
           </a:stretch>
         </p:blipFill>
-        <p:spPr>
-          <a:xfrm>
-            <a:off x="1036664" y="1983873"/>
-            <a:ext cx="5067483" cy="4155872"/>
+        <p:spPr bwMode="auto">
+          <a:xfrm>
+            <a:off x="3952875" y="2584990"/>
+            <a:ext cx="4286250" cy="1066800"/>
           </a:xfrm>
           <a:prstGeom prst="rect">
             <a:avLst/>
           </a:prstGeom>
+          <a:noFill/>
+          <a:extLst>
+            <a:ext uri="{909E8E84-426E-40DD-AFC4-6F175D3DCCD1}">
+              <a14:hiddenFill xmlns:a14="http://schemas.microsoft.com/office/drawing/2010/main">
+                <a:solidFill>
+                  <a:srgbClr val="FFFFFF"/>
+                </a:solidFill>
+              </a14:hiddenFill>
+            </a:ext>
+          </a:extLst>
         </p:spPr>
       </p:pic>
       <p:sp>
         <p:nvSpPr>
-          <p:cNvPr id="2" name="Title 1">
+          <p:cNvPr id="4" name="TextBox 3">
             <a:extLst>
               <a:ext uri="{FF2B5EF4-FFF2-40B4-BE49-F238E27FC236}">
-                <a16:creationId xmlns:a16="http://schemas.microsoft.com/office/drawing/2014/main" id="{06A56D74-F5EF-408D-9608-0C4ADE5CA6A0}"/>
+                <a16:creationId xmlns:a16="http://schemas.microsoft.com/office/drawing/2014/main" id="{07217B7D-9C53-4264-A1BA-624A13662B3F}"/>
               </a:ext>
             </a:extLst>
           </p:cNvPr>
-          <p:cNvSpPr>
-            <a:spLocks noGrp="1"/>
-          </p:cNvSpPr>
-          <p:nvPr>
-            <p:ph type="title"/>
-          </p:nvPr>
-        </p:nvSpPr>
-        <p:spPr/>
-        <p:txBody>
-          <a:bodyPr/>
-          <a:lstStyle/>
-          <a:p>
-            <a:r>
-              <a:rPr lang="en-US" dirty="0">
-                <a:latin typeface="Genome Thin" panose="00000300000000000000" pitchFamily="50" charset="0"/>
-              </a:rPr>
-              <a:t>Android App</a:t>
-            </a:r>
-            <a:endParaRPr lang="de-DE" dirty="0">
-              <a:latin typeface="Genome Thin" panose="00000300000000000000" pitchFamily="50" charset="0"/>
-            </a:endParaRPr>
-          </a:p>
-        </p:txBody>
-      </p:sp>
-      <p:sp>
-        <p:nvSpPr>
-          <p:cNvPr id="3" name="Content Placeholder 2">
+          <p:cNvSpPr txBox="1"/>
+          <p:nvPr/>
+        </p:nvSpPr>
+        <p:spPr>
+          <a:xfrm>
+            <a:off x="4842545" y="1877908"/>
+            <a:ext cx="2506910" cy="369332"/>
+          </a:xfrm>
+          <a:prstGeom prst="rect">
+            <a:avLst/>
+          </a:prstGeom>
+          <a:noFill/>
+        </p:spPr>
+        <p:txBody>
+          <a:bodyPr wrap="square" rtlCol="0">
+            <a:spAutoFit/>
+          </a:bodyPr>
+          <a:lstStyle/>
+          <a:p>
+            <a:r>
+              <a:rPr lang="de-DE" dirty="0" err="1"/>
+              <a:t>Continuous</a:t>
+            </a:r>
+            <a:r>
+              <a:rPr lang="de-DE" dirty="0"/>
+              <a:t> </a:t>
+            </a:r>
+            <a:r>
+              <a:rPr lang="de-DE" dirty="0" err="1"/>
+              <a:t>Inspection</a:t>
+            </a:r>
+            <a:endParaRPr lang="en-DE" dirty="0"/>
+          </a:p>
+        </p:txBody>
+      </p:sp>
+      <p:sp>
+        <p:nvSpPr>
+          <p:cNvPr id="5" name="TextBox 4">
             <a:extLst>
               <a:ext uri="{FF2B5EF4-FFF2-40B4-BE49-F238E27FC236}">
-                <a16:creationId xmlns:a16="http://schemas.microsoft.com/office/drawing/2014/main" id="{374BEA72-8F23-48E5-8FA4-5AF314979027}"/>
+                <a16:creationId xmlns:a16="http://schemas.microsoft.com/office/drawing/2014/main" id="{CF334E3D-4C85-4727-9AB0-12E768E544EB}"/>
               </a:ext>
             </a:extLst>
           </p:cNvPr>
-          <p:cNvSpPr>
-            <a:spLocks noGrp="1"/>
-          </p:cNvSpPr>
-          <p:nvPr>
-            <p:ph idx="1"/>
-          </p:nvPr>
-        </p:nvSpPr>
-        <p:spPr>
-          <a:xfrm>
-            <a:off x="9747051" y="1983873"/>
-            <a:ext cx="4754928" cy="4343400"/>
-          </a:xfrm>
-        </p:spPr>
-        <p:txBody>
-          <a:bodyPr vert="horz" lIns="91440" tIns="45720" rIns="91440" bIns="45720" rtlCol="0" anchor="t">
-            <a:normAutofit/>
+          <p:cNvSpPr txBox="1"/>
+          <p:nvPr/>
+        </p:nvSpPr>
+        <p:spPr>
+          <a:xfrm>
+            <a:off x="2526921" y="4243307"/>
+            <a:ext cx="2463040" cy="1477328"/>
+          </a:xfrm>
+          <a:prstGeom prst="rect">
+            <a:avLst/>
+          </a:prstGeom>
+          <a:noFill/>
+        </p:spPr>
+        <p:txBody>
+          <a:bodyPr wrap="square" rtlCol="0">
+            <a:spAutoFit/>
           </a:bodyPr>
           <a:lstStyle/>
           <a:p>
-            <a:pPr marL="0" indent="0">
-              <a:buNone/>
+            <a:r>
+              <a:rPr lang="de-DE" dirty="0"/>
+              <a:t>Code Quality:</a:t>
+            </a:r>
+          </a:p>
+          <a:p>
+            <a:pPr marL="285750" indent="-285750">
+              <a:buFont typeface="Arial" panose="020B0604020202020204" pitchFamily="34" charset="0"/>
+              <a:buChar char="•"/>
             </a:pPr>
             <a:r>
+              <a:rPr lang="de-DE" dirty="0"/>
+              <a:t>Bugs</a:t>
+            </a:r>
+          </a:p>
+          <a:p>
+            <a:pPr marL="285750" indent="-285750">
+              <a:buFont typeface="Arial" panose="020B0604020202020204" pitchFamily="34" charset="0"/>
+              <a:buChar char="•"/>
+            </a:pPr>
+            <a:r>
               <a:rPr lang="de-DE" dirty="0" err="1"/>
-              <a:t>Structure</a:t>
+              <a:t>Vulnerabilities</a:t>
             </a:r>
             <a:endParaRPr lang="de-DE" dirty="0"/>
           </a:p>
           <a:p>
-            <a:pPr marL="0" indent="0">
-              <a:buNone/>
+            <a:pPr marL="285750" indent="-285750">
+              <a:buFont typeface="Arial" panose="020B0604020202020204" pitchFamily="34" charset="0"/>
+              <a:buChar char="•"/>
             </a:pPr>
+            <a:r>
+              <a:rPr lang="de-DE" dirty="0"/>
+              <a:t>Technical </a:t>
+            </a:r>
+            <a:r>
+              <a:rPr lang="de-DE" dirty="0" err="1"/>
+              <a:t>Debt</a:t>
+            </a:r>
             <a:endParaRPr lang="de-DE" dirty="0"/>
           </a:p>
-        </p:txBody>
-      </p:sp>
-      <p:pic>
-        <p:nvPicPr>
-          <p:cNvPr id="14" name="Picture 13">
+          <a:p>
+            <a:pPr marL="285750" indent="-285750">
+              <a:buFont typeface="Arial" panose="020B0604020202020204" pitchFamily="34" charset="0"/>
+              <a:buChar char="•"/>
+            </a:pPr>
+            <a:r>
+              <a:rPr lang="de-DE" dirty="0" err="1"/>
+              <a:t>Unclean</a:t>
+            </a:r>
+            <a:r>
+              <a:rPr lang="de-DE" dirty="0"/>
+              <a:t> Code</a:t>
+            </a:r>
+          </a:p>
+        </p:txBody>
+      </p:sp>
+      <p:sp>
+        <p:nvSpPr>
+          <p:cNvPr id="7" name="TextBox 6">
             <a:extLst>
               <a:ext uri="{FF2B5EF4-FFF2-40B4-BE49-F238E27FC236}">
-                <a16:creationId xmlns:a16="http://schemas.microsoft.com/office/drawing/2014/main" id="{2415A63A-3779-4A83-9A9A-7963EEBA5B63}"/>
+                <a16:creationId xmlns:a16="http://schemas.microsoft.com/office/drawing/2014/main" id="{A84B2A17-2552-4999-A9F0-FE035FBD10EC}"/>
               </a:ext>
             </a:extLst>
           </p:cNvPr>
-          <p:cNvPicPr>
-            <a:picLocks noChangeAspect="1"/>
-          </p:cNvPicPr>
+          <p:cNvSpPr txBox="1"/>
           <p:nvPr/>
-        </p:nvPicPr>
-        <p:blipFill>
-          <a:blip r:embed="rId3"/>
-          <a:stretch>
-            <a:fillRect/>
-          </a:stretch>
-        </p:blipFill>
-        <p:spPr>
-          <a:xfrm>
-            <a:off x="7679682" y="4815770"/>
-            <a:ext cx="3448050" cy="1323975"/>
+        </p:nvSpPr>
+        <p:spPr>
+          <a:xfrm>
+            <a:off x="7202041" y="4381806"/>
+            <a:ext cx="2463040" cy="1200329"/>
           </a:xfrm>
           <a:prstGeom prst="rect">
             <a:avLst/>
           </a:prstGeom>
-        </p:spPr>
-      </p:pic>
-      <p:pic>
-        <p:nvPicPr>
-          <p:cNvPr id="16" name="Picture 15">
-            <a:extLst>
-              <a:ext uri="{FF2B5EF4-FFF2-40B4-BE49-F238E27FC236}">
-                <a16:creationId xmlns:a16="http://schemas.microsoft.com/office/drawing/2014/main" id="{FA99A455-D701-4802-9995-B372DE284022}"/>
-              </a:ext>
-            </a:extLst>
-          </p:cNvPr>
-          <p:cNvPicPr>
-            <a:picLocks noChangeAspect="1"/>
-          </p:cNvPicPr>
-          <p:nvPr/>
-        </p:nvPicPr>
-        <p:blipFill>
-          <a:blip r:embed="rId4"/>
-          <a:stretch>
-            <a:fillRect/>
-          </a:stretch>
-        </p:blipFill>
-        <p:spPr>
-          <a:xfrm>
-            <a:off x="9908532" y="2736276"/>
-            <a:ext cx="1219200" cy="1733550"/>
-          </a:xfrm>
-          <a:prstGeom prst="rect">
-            <a:avLst/>
-          </a:prstGeom>
-        </p:spPr>
-      </p:pic>
+          <a:noFill/>
+        </p:spPr>
+        <p:txBody>
+          <a:bodyPr wrap="square" rtlCol="0">
+            <a:spAutoFit/>
+          </a:bodyPr>
+          <a:lstStyle/>
+          <a:p>
+            <a:r>
+              <a:rPr lang="de-DE" dirty="0" err="1"/>
+              <a:t>Application</a:t>
+            </a:r>
+            <a:r>
+              <a:rPr lang="de-DE" dirty="0"/>
+              <a:t> Security:</a:t>
+            </a:r>
+          </a:p>
+          <a:p>
+            <a:pPr marL="285750" indent="-285750">
+              <a:buFont typeface="Arial" panose="020B0604020202020204" pitchFamily="34" charset="0"/>
+              <a:buChar char="•"/>
+            </a:pPr>
+            <a:r>
+              <a:rPr lang="de-DE" dirty="0"/>
+              <a:t>CWE</a:t>
+            </a:r>
+          </a:p>
+          <a:p>
+            <a:pPr marL="742950" lvl="1" indent="-285750">
+              <a:buFont typeface="Arial" panose="020B0604020202020204" pitchFamily="34" charset="0"/>
+              <a:buChar char="•"/>
+            </a:pPr>
+            <a:r>
+              <a:rPr lang="de-DE" dirty="0"/>
+              <a:t>OWASP</a:t>
+            </a:r>
+          </a:p>
+          <a:p>
+            <a:pPr marL="742950" lvl="1" indent="-285750">
+              <a:buFont typeface="Arial" panose="020B0604020202020204" pitchFamily="34" charset="0"/>
+              <a:buChar char="•"/>
+            </a:pPr>
+            <a:r>
+              <a:rPr lang="de-DE" dirty="0"/>
+              <a:t>SANS</a:t>
+            </a:r>
+          </a:p>
+        </p:txBody>
+      </p:sp>
     </p:spTree>
     <p:extLst>
       <p:ext uri="{BB962C8B-B14F-4D97-AF65-F5344CB8AC3E}">
-        <p14:creationId xmlns:p14="http://schemas.microsoft.com/office/powerpoint/2010/main" val="3715253601"/>
+        <p14:creationId xmlns:p14="http://schemas.microsoft.com/office/powerpoint/2010/main" val="1661253825"/>
       </p:ext>
     </p:extLst>
   </p:cSld>
